--- a/Group Meeting PPT/Jwang_03.pptx
+++ b/Group Meeting PPT/Jwang_03.pptx
@@ -31,18 +31,18 @@
   <p:notesSz cx="6858000" cy="9144000"/>
   <p:embeddedFontLst>
     <p:embeddedFont>
-      <p:font typeface="Raleway" charset="0"/>
+      <p:font typeface="Cambria Math" pitchFamily="18" charset="0"/>
       <p:regular r:id="rId19"/>
-      <p:bold r:id="rId20"/>
-      <p:italic r:id="rId21"/>
-      <p:boldItalic r:id="rId22"/>
-    </p:embeddedFont>
-    <p:embeddedFont>
-      <p:font typeface="Cambria Math" pitchFamily="18" charset="0"/>
-      <p:regular r:id="rId23"/>
     </p:embeddedFont>
     <p:embeddedFont>
       <p:font typeface="Lato" charset="-122"/>
+      <p:regular r:id="rId20"/>
+      <p:bold r:id="rId21"/>
+      <p:italic r:id="rId22"/>
+      <p:boldItalic r:id="rId23"/>
+    </p:embeddedFont>
+    <p:embeddedFont>
+      <p:font typeface="Raleway" charset="0"/>
       <p:regular r:id="rId24"/>
       <p:bold r:id="rId25"/>
       <p:italic r:id="rId26"/>
@@ -280,7 +280,7 @@
   </p:defaultTextStyle>
   <p:extLst>
     <p:ext uri="{EFAFB233-063F-42B5-8137-9DF3F51BA10A}">
-      <p15:sldGuideLst xmlns:p15="http://schemas.microsoft.com/office/powerpoint/2012/main" xmlns:p14="http://schemas.microsoft.com/office/powerpoint/2010/main" xmlns:com="http://schemas.openxmlformats.org/drawingml/2006/compatibility" xmlns:pvml="urn:schemas-microsoft-com:office:powerpoint" xmlns:v="urn:schemas-microsoft-com:vml" xmlns:o="urn:schemas-microsoft-com:office:office" xmlns:dgm="http://schemas.openxmlformats.org/drawingml/2006/diagram" xmlns:c="http://schemas.openxmlformats.org/drawingml/2006/chart" xmlns:mv="urn:schemas-microsoft-com:mac:vml" xmlns:mc="http://schemas.openxmlformats.org/markup-compatibility/2006" xmlns="">
+      <p15:sldGuideLst xmlns="" xmlns:mc="http://schemas.openxmlformats.org/markup-compatibility/2006" xmlns:mv="urn:schemas-microsoft-com:mac:vml" xmlns:c="http://schemas.openxmlformats.org/drawingml/2006/chart" xmlns:dgm="http://schemas.openxmlformats.org/drawingml/2006/diagram" xmlns:o="urn:schemas-microsoft-com:office:office" xmlns:v="urn:schemas-microsoft-com:vml" xmlns:pvml="urn:schemas-microsoft-com:office:powerpoint" xmlns:com="http://schemas.openxmlformats.org/drawingml/2006/compatibility" xmlns:p14="http://schemas.microsoft.com/office/powerpoint/2010/main" xmlns:p15="http://schemas.microsoft.com/office/powerpoint/2012/main">
         <p15:guide id="1" orient="horz" pos="1620">
           <p15:clr>
             <a:srgbClr val="A4A3A4"/>
@@ -379,7 +379,7 @@
           <a:p>
             <a:fld id="{B5788E96-2DB2-41D2-B813-1959A9E9EC98}" type="datetimeFigureOut">
               <a:rPr lang="zh-CN" altLang="en-US" smtClean="0"/>
-              <a:t>2020/10/16</a:t>
+              <a:t>2020/10/23</a:t>
             </a:fld>
             <a:endParaRPr lang="zh-CN" altLang="en-US"/>
           </a:p>
@@ -7983,6 +7983,7 @@
           </a:bodyPr>
           <a:lstStyle/>
           <a:p>
+            <a:pPr algn="ctr"/>
             <a:r>
               <a:rPr lang="zh-CN" altLang="en-US" dirty="0" smtClean="0"/>
               <a:t>方法一</a:t>
@@ -7999,7 +8000,7 @@
         </p:nvSpPr>
         <p:spPr>
           <a:xfrm>
-            <a:off x="6161122" y="4552121"/>
+            <a:off x="6161123" y="4552120"/>
             <a:ext cx="1000539" cy="307777"/>
           </a:xfrm>
           <a:prstGeom prst="rect">
@@ -8013,6 +8014,7 @@
           </a:bodyPr>
           <a:lstStyle/>
           <a:p>
+            <a:pPr algn="ctr"/>
             <a:r>
               <a:rPr lang="zh-CN" altLang="en-US" dirty="0" smtClean="0"/>
               <a:t>方法二</a:t>
@@ -8239,8 +8241,8 @@
           <a:chExt cx="0" cy="0"/>
         </a:xfrm>
       </p:grpSpPr>
-      <mc:AlternateContent xmlns:mc="http://schemas.openxmlformats.org/markup-compatibility/2006">
-        <mc:Choice xmlns:a14="http://schemas.microsoft.com/office/drawing/2010/main" Requires="a14">
+      <mc:AlternateContent xmlns:mc="http://schemas.openxmlformats.org/markup-compatibility/2006" xmlns:a14="http://schemas.microsoft.com/office/drawing/2010/main">
+        <mc:Choice Requires="a14">
           <p:sp>
             <p:nvSpPr>
               <p:cNvPr id="78" name="Google Shape;78;p14"/>
@@ -8319,7 +8321,7 @@
             </p:txBody>
           </p:sp>
         </mc:Choice>
-        <mc:Fallback>
+        <mc:Fallback xmlns="">
           <p:sp>
             <p:nvSpPr>
               <p:cNvPr id="78" name="Google Shape;78;p14"/>
@@ -9095,8 +9097,8 @@
           </a:p>
         </p:txBody>
       </p:sp>
-      <mc:AlternateContent xmlns:mc="http://schemas.openxmlformats.org/markup-compatibility/2006">
-        <mc:Choice xmlns:a14="http://schemas.microsoft.com/office/drawing/2010/main" Requires="a14">
+      <mc:AlternateContent xmlns:mc="http://schemas.openxmlformats.org/markup-compatibility/2006" xmlns:a14="http://schemas.microsoft.com/office/drawing/2010/main">
+        <mc:Choice Requires="a14">
           <p:sp>
             <p:nvSpPr>
               <p:cNvPr id="6" name="TextBox 5"/>
@@ -9545,7 +9547,7 @@
             </p:txBody>
           </p:sp>
         </mc:Choice>
-        <mc:Fallback>
+        <mc:Fallback xmlns="">
           <p:sp>
             <p:nvSpPr>
               <p:cNvPr id="6" name="TextBox 5"/>
@@ -9616,8 +9618,8 @@
           </a:p>
         </p:txBody>
       </p:sp>
-      <mc:AlternateContent xmlns:mc="http://schemas.openxmlformats.org/markup-compatibility/2006">
-        <mc:Choice xmlns:a14="http://schemas.microsoft.com/office/drawing/2010/main" Requires="a14">
+      <mc:AlternateContent xmlns:mc="http://schemas.openxmlformats.org/markup-compatibility/2006" xmlns:a14="http://schemas.microsoft.com/office/drawing/2010/main">
+        <mc:Choice Requires="a14">
           <p:sp>
             <p:nvSpPr>
               <p:cNvPr id="9" name="TextBox 8"/>
@@ -9640,6 +9642,7 @@
               </a:bodyPr>
               <a:lstStyle/>
               <a:p>
+                <a:pPr/>
                 <a14:m>
                   <m:oMathPara xmlns:m="http://schemas.openxmlformats.org/officeDocument/2006/math">
                     <m:oMathParaPr>
@@ -9867,7 +9870,7 @@
             </p:txBody>
           </p:sp>
         </mc:Choice>
-        <mc:Fallback>
+        <mc:Fallback xmlns="">
           <p:sp>
             <p:nvSpPr>
               <p:cNvPr id="9" name="TextBox 8"/>
@@ -9906,8 +9909,8 @@
           </p:sp>
         </mc:Fallback>
       </mc:AlternateContent>
-      <mc:AlternateContent xmlns:mc="http://schemas.openxmlformats.org/markup-compatibility/2006">
-        <mc:Choice xmlns:a14="http://schemas.microsoft.com/office/drawing/2010/main" Requires="a14">
+      <mc:AlternateContent xmlns:mc="http://schemas.openxmlformats.org/markup-compatibility/2006" xmlns:a14="http://schemas.microsoft.com/office/drawing/2010/main">
+        <mc:Choice Requires="a14">
           <p:sp>
             <p:nvSpPr>
               <p:cNvPr id="11" name="TextBox 10"/>
@@ -9988,7 +9991,7 @@
             </p:txBody>
           </p:sp>
         </mc:Choice>
-        <mc:Fallback>
+        <mc:Fallback xmlns="">
           <p:sp>
             <p:nvSpPr>
               <p:cNvPr id="11" name="TextBox 10"/>
@@ -10027,8 +10030,8 @@
           </p:sp>
         </mc:Fallback>
       </mc:AlternateContent>
-      <mc:AlternateContent xmlns:mc="http://schemas.openxmlformats.org/markup-compatibility/2006">
-        <mc:Choice xmlns:a14="http://schemas.microsoft.com/office/drawing/2010/main" Requires="a14">
+      <mc:AlternateContent xmlns:mc="http://schemas.openxmlformats.org/markup-compatibility/2006" xmlns:a14="http://schemas.microsoft.com/office/drawing/2010/main">
+        <mc:Choice Requires="a14">
           <p:sp>
             <p:nvSpPr>
               <p:cNvPr id="20" name="TextBox 19"/>
@@ -10117,7 +10120,7 @@
             </p:txBody>
           </p:sp>
         </mc:Choice>
-        <mc:Fallback>
+        <mc:Fallback xmlns="">
           <p:sp>
             <p:nvSpPr>
               <p:cNvPr id="20" name="TextBox 19"/>
@@ -11262,8 +11265,8 @@
           </a:extLst>
         </p:spPr>
       </p:pic>
-      <mc:AlternateContent xmlns:mc="http://schemas.openxmlformats.org/markup-compatibility/2006">
-        <mc:Choice xmlns:a14="http://schemas.microsoft.com/office/drawing/2010/main" Requires="a14">
+      <mc:AlternateContent xmlns:mc="http://schemas.openxmlformats.org/markup-compatibility/2006" xmlns:a14="http://schemas.microsoft.com/office/drawing/2010/main">
+        <mc:Choice Requires="a14">
           <p:sp>
             <p:nvSpPr>
               <p:cNvPr id="3" name="TextBox 2"/>
@@ -11286,6 +11289,7 @@
               </a:bodyPr>
               <a:lstStyle/>
               <a:p>
+                <a:pPr/>
                 <a14:m>
                   <m:oMathPara xmlns:m="http://schemas.openxmlformats.org/officeDocument/2006/math">
                     <m:oMathParaPr>
@@ -11491,7 +11495,7 @@
             </p:txBody>
           </p:sp>
         </mc:Choice>
-        <mc:Fallback>
+        <mc:Fallback xmlns="">
           <p:sp>
             <p:nvSpPr>
               <p:cNvPr id="3" name="TextBox 2"/>
@@ -11530,8 +11534,8 @@
           </p:sp>
         </mc:Fallback>
       </mc:AlternateContent>
-      <mc:AlternateContent xmlns:mc="http://schemas.openxmlformats.org/markup-compatibility/2006">
-        <mc:Choice xmlns:a14="http://schemas.microsoft.com/office/drawing/2010/main" Requires="a14">
+      <mc:AlternateContent xmlns:mc="http://schemas.openxmlformats.org/markup-compatibility/2006" xmlns:a14="http://schemas.microsoft.com/office/drawing/2010/main">
+        <mc:Choice Requires="a14">
           <p:sp>
             <p:nvSpPr>
               <p:cNvPr id="11" name="TextBox 10"/>
@@ -11752,7 +11756,7 @@
             </p:txBody>
           </p:sp>
         </mc:Choice>
-        <mc:Fallback>
+        <mc:Fallback xmlns="">
           <p:sp>
             <p:nvSpPr>
               <p:cNvPr id="11" name="TextBox 10"/>
@@ -11791,8 +11795,8 @@
           </p:sp>
         </mc:Fallback>
       </mc:AlternateContent>
-      <mc:AlternateContent xmlns:mc="http://schemas.openxmlformats.org/markup-compatibility/2006">
-        <mc:Choice xmlns:a14="http://schemas.microsoft.com/office/drawing/2010/main" Requires="a14">
+      <mc:AlternateContent xmlns:mc="http://schemas.openxmlformats.org/markup-compatibility/2006" xmlns:a14="http://schemas.microsoft.com/office/drawing/2010/main">
+        <mc:Choice Requires="a14">
           <p:sp>
             <p:nvSpPr>
               <p:cNvPr id="5" name="TextBox 4"/>
@@ -11871,7 +11875,7 @@
             </p:txBody>
           </p:sp>
         </mc:Choice>
-        <mc:Fallback>
+        <mc:Fallback xmlns="">
           <p:sp>
             <p:nvSpPr>
               <p:cNvPr id="5" name="TextBox 4"/>
@@ -12294,7 +12298,23 @@
                 </a:r>
                 <a:r>
                   <a:rPr lang="zh-CN" altLang="en-US" dirty="0"/>
-                  <a:t>算法的主要步骤有一下三个：  </a:t>
+                  <a:t>算法的主要步骤</a:t>
+                </a:r>
+                <a:r>
+                  <a:rPr lang="zh-CN" altLang="en-US" dirty="0" smtClean="0"/>
+                  <a:t>有</a:t>
+                </a:r>
+                <a:r>
+                  <a:rPr lang="zh-CN" altLang="en-US" dirty="0"/>
+                  <a:t>以</a:t>
+                </a:r>
+                <a:r>
+                  <a:rPr lang="zh-CN" altLang="en-US" dirty="0" smtClean="0"/>
+                  <a:t>下</a:t>
+                </a:r>
+                <a:r>
+                  <a:rPr lang="zh-CN" altLang="en-US" dirty="0"/>
+                  <a:t>三个：  </a:t>
                 </a:r>
                 <a:endParaRPr lang="en-US" altLang="zh-CN" dirty="0" smtClean="0"/>
               </a:p>
@@ -12566,8 +12586,8 @@
           <a:chExt cx="0" cy="0"/>
         </a:xfrm>
       </p:grpSpPr>
-      <mc:AlternateContent xmlns:mc="http://schemas.openxmlformats.org/markup-compatibility/2006">
-        <mc:Choice xmlns:a14="http://schemas.microsoft.com/office/drawing/2010/main" Requires="a14">
+      <mc:AlternateContent xmlns:mc="http://schemas.openxmlformats.org/markup-compatibility/2006" xmlns:a14="http://schemas.microsoft.com/office/drawing/2010/main">
+        <mc:Choice Requires="a14">
           <p:sp>
             <p:nvSpPr>
               <p:cNvPr id="78" name="Google Shape;78;p14"/>
@@ -12692,7 +12712,7 @@
             </p:txBody>
           </p:sp>
         </mc:Choice>
-        <mc:Fallback>
+        <mc:Fallback xmlns="">
           <p:sp>
             <p:nvSpPr>
               <p:cNvPr id="78" name="Google Shape;78;p14"/>
@@ -12788,8 +12808,8 @@
         </p:blipFill>
         <p:spPr bwMode="auto">
           <a:xfrm>
-            <a:off x="421585" y="1290637"/>
-            <a:ext cx="6591300" cy="2562225"/>
+            <a:off x="673377" y="2014327"/>
+            <a:ext cx="6591300" cy="2587283"/>
           </a:xfrm>
           <a:prstGeom prst="rect">
             <a:avLst/>
@@ -12831,7 +12851,7 @@
       </p:pic>
       <p:pic>
         <p:nvPicPr>
-          <p:cNvPr id="5124" name="Picture 4"/>
+          <p:cNvPr id="1026" name="Picture 2"/>
           <p:cNvPicPr>
             <a:picLocks noChangeAspect="1" noChangeArrowheads="1"/>
           </p:cNvPicPr>
@@ -12852,8 +12872,8 @@
         </p:blipFill>
         <p:spPr bwMode="auto">
           <a:xfrm>
-            <a:off x="805897" y="3852862"/>
-            <a:ext cx="4305300" cy="895350"/>
+            <a:off x="284922" y="1223752"/>
+            <a:ext cx="4448175" cy="790575"/>
           </a:xfrm>
           <a:prstGeom prst="rect">
             <a:avLst/>
@@ -13460,7 +13480,7 @@
                       <a:rPr lang="zh-CN" altLang="en-US" b="0" i="1" dirty="0" smtClean="0">
                         <a:latin typeface="Cambria Math"/>
                       </a:rPr>
-                      <m:t>𝛼</m:t>
+                      <m:t>𝜆</m:t>
                     </m:r>
                     <m:sSub>
                       <m:sSubPr>
@@ -13961,7 +13981,7 @@
       </mc:AlternateContent>
       <p:pic>
         <p:nvPicPr>
-          <p:cNvPr id="9" name="Picture 2"/>
+          <p:cNvPr id="2050" name="Picture 2"/>
           <p:cNvPicPr>
             <a:picLocks noChangeAspect="1" noChangeArrowheads="1"/>
           </p:cNvPicPr>
@@ -13982,8 +14002,8 @@
         </p:blipFill>
         <p:spPr bwMode="auto">
           <a:xfrm>
-            <a:off x="5961822" y="2201767"/>
-            <a:ext cx="2057400" cy="438150"/>
+            <a:off x="4545496" y="2425149"/>
+            <a:ext cx="2973870" cy="2023212"/>
           </a:xfrm>
           <a:prstGeom prst="rect">
             <a:avLst/>

--- a/Group Meeting PPT/Jwang_03.pptx
+++ b/Group Meeting PPT/Jwang_03.pptx
@@ -2,51 +2,41 @@
 <file path=ppt/presentation.xml><?xml version="1.0" encoding="utf-8"?>
 <p:presentation xmlns:a="http://schemas.openxmlformats.org/drawingml/2006/main" xmlns:r="http://schemas.openxmlformats.org/officeDocument/2006/relationships" xmlns:p="http://schemas.openxmlformats.org/presentationml/2006/main" strictFirstAndLastChars="0" embedTrueTypeFonts="1" saveSubsetFonts="1" autoCompressPictures="0">
   <p:sldMasterIdLst>
-    <p:sldMasterId id="2147483659" r:id="rId1"/>
+    <p:sldMasterId id="2147483648" r:id="rId1"/>
   </p:sldMasterIdLst>
   <p:notesMasterIdLst>
-    <p:notesMasterId r:id="rId17"/>
+    <p:notesMasterId r:id="rId4"/>
   </p:notesMasterIdLst>
   <p:handoutMasterIdLst>
-    <p:handoutMasterId r:id="rId18"/>
+    <p:handoutMasterId r:id="rId19"/>
   </p:handoutMasterIdLst>
   <p:sldIdLst>
-    <p:sldId id="256" r:id="rId2"/>
-    <p:sldId id="288" r:id="rId3"/>
-    <p:sldId id="257" r:id="rId4"/>
-    <p:sldId id="292" r:id="rId5"/>
-    <p:sldId id="289" r:id="rId6"/>
-    <p:sldId id="299" r:id="rId7"/>
-    <p:sldId id="300" r:id="rId8"/>
-    <p:sldId id="287" r:id="rId9"/>
-    <p:sldId id="291" r:id="rId10"/>
-    <p:sldId id="301" r:id="rId11"/>
-    <p:sldId id="302" r:id="rId12"/>
-    <p:sldId id="293" r:id="rId13"/>
-    <p:sldId id="304" r:id="rId14"/>
-    <p:sldId id="303" r:id="rId15"/>
-    <p:sldId id="286" r:id="rId16"/>
+    <p:sldId id="256" r:id="rId3"/>
+    <p:sldId id="288" r:id="rId5"/>
+    <p:sldId id="257" r:id="rId6"/>
+    <p:sldId id="292" r:id="rId7"/>
+    <p:sldId id="289" r:id="rId8"/>
+    <p:sldId id="299" r:id="rId9"/>
+    <p:sldId id="300" r:id="rId10"/>
+    <p:sldId id="287" r:id="rId11"/>
+    <p:sldId id="291" r:id="rId12"/>
+    <p:sldId id="301" r:id="rId13"/>
+    <p:sldId id="302" r:id="rId14"/>
+    <p:sldId id="293" r:id="rId15"/>
+    <p:sldId id="304" r:id="rId16"/>
+    <p:sldId id="303" r:id="rId17"/>
+    <p:sldId id="286" r:id="rId18"/>
   </p:sldIdLst>
   <p:sldSz cx="9144000" cy="5143500" type="screen16x9"/>
   <p:notesSz cx="6858000" cy="9144000"/>
   <p:embeddedFontLst>
     <p:embeddedFont>
-      <p:font typeface="Cambria Math" pitchFamily="18" charset="0"/>
-      <p:regular r:id="rId19"/>
+      <p:font typeface="Raleway" panose="020B0503030101060003"/>
+      <p:regular r:id="rId23"/>
     </p:embeddedFont>
     <p:embeddedFont>
-      <p:font typeface="Lato" charset="-122"/>
-      <p:regular r:id="rId20"/>
-      <p:bold r:id="rId21"/>
-      <p:italic r:id="rId22"/>
-      <p:boldItalic r:id="rId23"/>
-    </p:embeddedFont>
-    <p:embeddedFont>
-      <p:font typeface="Raleway" charset="0"/>
+      <p:font typeface="Lato" panose="02010600030101010101"/>
       <p:regular r:id="rId24"/>
-      <p:bold r:id="rId25"/>
-      <p:italic r:id="rId26"/>
-      <p:boldItalic r:id="rId27"/>
     </p:embeddedFont>
   </p:embeddedFontLst>
   <p:defaultTextStyle>
@@ -74,15 +64,15 @@
       <a:buClr>
         <a:srgbClr val="000000"/>
       </a:buClr>
-      <a:buFont typeface="Arial"/>
+      <a:buFont typeface="Arial" panose="020B0604020202020204"/>
       <a:defRPr sz="1400" b="0" i="0" u="none" strike="noStrike" cap="none">
         <a:solidFill>
           <a:srgbClr val="000000"/>
         </a:solidFill>
-        <a:latin typeface="Arial"/>
-        <a:ea typeface="Arial"/>
-        <a:cs typeface="Arial"/>
-        <a:sym typeface="Arial"/>
+        <a:latin typeface="Arial" panose="020B0604020202020204"/>
+        <a:ea typeface="Arial" panose="020B0604020202020204"/>
+        <a:cs typeface="Arial" panose="020B0604020202020204"/>
+        <a:sym typeface="Arial" panose="020B0604020202020204"/>
       </a:defRPr>
     </a:lvl1pPr>
     <a:lvl2pPr marR="0" lvl="1" algn="l" rtl="0">
@@ -98,15 +88,15 @@
       <a:buClr>
         <a:srgbClr val="000000"/>
       </a:buClr>
-      <a:buFont typeface="Arial"/>
+      <a:buFont typeface="Arial" panose="020B0604020202020204"/>
       <a:defRPr sz="1400" b="0" i="0" u="none" strike="noStrike" cap="none">
         <a:solidFill>
           <a:srgbClr val="000000"/>
         </a:solidFill>
-        <a:latin typeface="Arial"/>
-        <a:ea typeface="Arial"/>
-        <a:cs typeface="Arial"/>
-        <a:sym typeface="Arial"/>
+        <a:latin typeface="Arial" panose="020B0604020202020204"/>
+        <a:ea typeface="Arial" panose="020B0604020202020204"/>
+        <a:cs typeface="Arial" panose="020B0604020202020204"/>
+        <a:sym typeface="Arial" panose="020B0604020202020204"/>
       </a:defRPr>
     </a:lvl2pPr>
     <a:lvl3pPr marR="0" lvl="2" algn="l" rtl="0">
@@ -122,15 +112,15 @@
       <a:buClr>
         <a:srgbClr val="000000"/>
       </a:buClr>
-      <a:buFont typeface="Arial"/>
+      <a:buFont typeface="Arial" panose="020B0604020202020204"/>
       <a:defRPr sz="1400" b="0" i="0" u="none" strike="noStrike" cap="none">
         <a:solidFill>
           <a:srgbClr val="000000"/>
         </a:solidFill>
-        <a:latin typeface="Arial"/>
-        <a:ea typeface="Arial"/>
-        <a:cs typeface="Arial"/>
-        <a:sym typeface="Arial"/>
+        <a:latin typeface="Arial" panose="020B0604020202020204"/>
+        <a:ea typeface="Arial" panose="020B0604020202020204"/>
+        <a:cs typeface="Arial" panose="020B0604020202020204"/>
+        <a:sym typeface="Arial" panose="020B0604020202020204"/>
       </a:defRPr>
     </a:lvl3pPr>
     <a:lvl4pPr marR="0" lvl="3" algn="l" rtl="0">
@@ -146,15 +136,15 @@
       <a:buClr>
         <a:srgbClr val="000000"/>
       </a:buClr>
-      <a:buFont typeface="Arial"/>
+      <a:buFont typeface="Arial" panose="020B0604020202020204"/>
       <a:defRPr sz="1400" b="0" i="0" u="none" strike="noStrike" cap="none">
         <a:solidFill>
           <a:srgbClr val="000000"/>
         </a:solidFill>
-        <a:latin typeface="Arial"/>
-        <a:ea typeface="Arial"/>
-        <a:cs typeface="Arial"/>
-        <a:sym typeface="Arial"/>
+        <a:latin typeface="Arial" panose="020B0604020202020204"/>
+        <a:ea typeface="Arial" panose="020B0604020202020204"/>
+        <a:cs typeface="Arial" panose="020B0604020202020204"/>
+        <a:sym typeface="Arial" panose="020B0604020202020204"/>
       </a:defRPr>
     </a:lvl4pPr>
     <a:lvl5pPr marR="0" lvl="4" algn="l" rtl="0">
@@ -170,15 +160,15 @@
       <a:buClr>
         <a:srgbClr val="000000"/>
       </a:buClr>
-      <a:buFont typeface="Arial"/>
+      <a:buFont typeface="Arial" panose="020B0604020202020204"/>
       <a:defRPr sz="1400" b="0" i="0" u="none" strike="noStrike" cap="none">
         <a:solidFill>
           <a:srgbClr val="000000"/>
         </a:solidFill>
-        <a:latin typeface="Arial"/>
-        <a:ea typeface="Arial"/>
-        <a:cs typeface="Arial"/>
-        <a:sym typeface="Arial"/>
+        <a:latin typeface="Arial" panose="020B0604020202020204"/>
+        <a:ea typeface="Arial" panose="020B0604020202020204"/>
+        <a:cs typeface="Arial" panose="020B0604020202020204"/>
+        <a:sym typeface="Arial" panose="020B0604020202020204"/>
       </a:defRPr>
     </a:lvl5pPr>
     <a:lvl6pPr marR="0" lvl="5" algn="l" rtl="0">
@@ -194,15 +184,15 @@
       <a:buClr>
         <a:srgbClr val="000000"/>
       </a:buClr>
-      <a:buFont typeface="Arial"/>
+      <a:buFont typeface="Arial" panose="020B0604020202020204"/>
       <a:defRPr sz="1400" b="0" i="0" u="none" strike="noStrike" cap="none">
         <a:solidFill>
           <a:srgbClr val="000000"/>
         </a:solidFill>
-        <a:latin typeface="Arial"/>
-        <a:ea typeface="Arial"/>
-        <a:cs typeface="Arial"/>
-        <a:sym typeface="Arial"/>
+        <a:latin typeface="Arial" panose="020B0604020202020204"/>
+        <a:ea typeface="Arial" panose="020B0604020202020204"/>
+        <a:cs typeface="Arial" panose="020B0604020202020204"/>
+        <a:sym typeface="Arial" panose="020B0604020202020204"/>
       </a:defRPr>
     </a:lvl6pPr>
     <a:lvl7pPr marR="0" lvl="6" algn="l" rtl="0">
@@ -218,15 +208,15 @@
       <a:buClr>
         <a:srgbClr val="000000"/>
       </a:buClr>
-      <a:buFont typeface="Arial"/>
+      <a:buFont typeface="Arial" panose="020B0604020202020204"/>
       <a:defRPr sz="1400" b="0" i="0" u="none" strike="noStrike" cap="none">
         <a:solidFill>
           <a:srgbClr val="000000"/>
         </a:solidFill>
-        <a:latin typeface="Arial"/>
-        <a:ea typeface="Arial"/>
-        <a:cs typeface="Arial"/>
-        <a:sym typeface="Arial"/>
+        <a:latin typeface="Arial" panose="020B0604020202020204"/>
+        <a:ea typeface="Arial" panose="020B0604020202020204"/>
+        <a:cs typeface="Arial" panose="020B0604020202020204"/>
+        <a:sym typeface="Arial" panose="020B0604020202020204"/>
       </a:defRPr>
     </a:lvl7pPr>
     <a:lvl8pPr marR="0" lvl="7" algn="l" rtl="0">
@@ -242,15 +232,15 @@
       <a:buClr>
         <a:srgbClr val="000000"/>
       </a:buClr>
-      <a:buFont typeface="Arial"/>
+      <a:buFont typeface="Arial" panose="020B0604020202020204"/>
       <a:defRPr sz="1400" b="0" i="0" u="none" strike="noStrike" cap="none">
         <a:solidFill>
           <a:srgbClr val="000000"/>
         </a:solidFill>
-        <a:latin typeface="Arial"/>
-        <a:ea typeface="Arial"/>
-        <a:cs typeface="Arial"/>
-        <a:sym typeface="Arial"/>
+        <a:latin typeface="Arial" panose="020B0604020202020204"/>
+        <a:ea typeface="Arial" panose="020B0604020202020204"/>
+        <a:cs typeface="Arial" panose="020B0604020202020204"/>
+        <a:sym typeface="Arial" panose="020B0604020202020204"/>
       </a:defRPr>
     </a:lvl8pPr>
     <a:lvl9pPr marR="0" lvl="8" algn="l" rtl="0">
@@ -266,34 +256,18 @@
       <a:buClr>
         <a:srgbClr val="000000"/>
       </a:buClr>
-      <a:buFont typeface="Arial"/>
+      <a:buFont typeface="Arial" panose="020B0604020202020204"/>
       <a:defRPr sz="1400" b="0" i="0" u="none" strike="noStrike" cap="none">
         <a:solidFill>
           <a:srgbClr val="000000"/>
         </a:solidFill>
-        <a:latin typeface="Arial"/>
-        <a:ea typeface="Arial"/>
-        <a:cs typeface="Arial"/>
-        <a:sym typeface="Arial"/>
+        <a:latin typeface="Arial" panose="020B0604020202020204"/>
+        <a:ea typeface="Arial" panose="020B0604020202020204"/>
+        <a:cs typeface="Arial" panose="020B0604020202020204"/>
+        <a:sym typeface="Arial" panose="020B0604020202020204"/>
       </a:defRPr>
     </a:lvl9pPr>
   </p:defaultTextStyle>
-  <p:extLst>
-    <p:ext uri="{EFAFB233-063F-42B5-8137-9DF3F51BA10A}">
-      <p15:sldGuideLst xmlns="" xmlns:mc="http://schemas.openxmlformats.org/markup-compatibility/2006" xmlns:mv="urn:schemas-microsoft-com:mac:vml" xmlns:c="http://schemas.openxmlformats.org/drawingml/2006/chart" xmlns:dgm="http://schemas.openxmlformats.org/drawingml/2006/diagram" xmlns:o="urn:schemas-microsoft-com:office:office" xmlns:v="urn:schemas-microsoft-com:vml" xmlns:pvml="urn:schemas-microsoft-com:office:powerpoint" xmlns:com="http://schemas.openxmlformats.org/drawingml/2006/compatibility" xmlns:p14="http://schemas.microsoft.com/office/powerpoint/2010/main" xmlns:p15="http://schemas.microsoft.com/office/powerpoint/2012/main">
-        <p15:guide id="1" orient="horz" pos="1620">
-          <p15:clr>
-            <a:srgbClr val="A4A3A4"/>
-          </p15:clr>
-        </p15:guide>
-        <p15:guide id="2" pos="2880">
-          <p15:clr>
-            <a:srgbClr val="A4A3A4"/>
-          </p15:clr>
-        </p15:guide>
-      </p15:sldGuideLst>
-    </p:ext>
-  </p:extLst>
 </p:presentation>
 </file>
 
@@ -379,7 +353,6 @@
           <a:p>
             <a:fld id="{B5788E96-2DB2-41D2-B813-1959A9E9EC98}" type="datetimeFigureOut">
               <a:rPr lang="zh-CN" altLang="en-US" smtClean="0"/>
-              <a:t>2020/10/23</a:t>
             </a:fld>
             <a:endParaRPr lang="zh-CN" altLang="en-US"/>
           </a:p>
@@ -445,18 +418,12 @@
           <a:p>
             <a:fld id="{B37E2B1D-83B2-4372-89D2-47F48D2CFB07}" type="slidenum">
               <a:rPr lang="zh-CN" altLang="en-US" smtClean="0"/>
-              <a:t>‹#›</a:t>
             </a:fld>
             <a:endParaRPr lang="zh-CN" altLang="en-US"/>
           </a:p>
         </p:txBody>
       </p:sp>
     </p:spTree>
-    <p:extLst>
-      <p:ext uri="{BB962C8B-B14F-4D97-AF65-F5344CB8AC3E}">
-        <p14:creationId xmlns:p14="http://schemas.microsoft.com/office/powerpoint/2010/main" val="1951902220"/>
-      </p:ext>
-    </p:extLst>
   </p:cSld>
   <p:clrMap bg1="lt1" tx1="dk1" bg2="lt2" tx2="dk2" accent1="accent1" accent2="accent2" accent3="accent3" accent4="accent4" accent5="accent5" accent6="accent6" hlink="hlink" folHlink="folHlink"/>
 </p:handoutMaster>
@@ -663,17 +630,10 @@
               <a:defRPr sz="1100"/>
             </a:lvl9pPr>
           </a:lstStyle>
-          <a:p>
-            <a:endParaRPr/>
-          </a:p>
+          <a:p/>
         </p:txBody>
       </p:sp>
     </p:spTree>
-    <p:extLst>
-      <p:ext uri="{BB962C8B-B14F-4D97-AF65-F5344CB8AC3E}">
-        <p14:creationId xmlns:p14="http://schemas.microsoft.com/office/powerpoint/2010/main" val="797682865"/>
-      </p:ext>
-    </p:extLst>
   </p:cSld>
   <p:clrMap bg1="lt1" tx1="dk1" bg2="dk2" tx2="lt2" accent1="accent1" accent2="accent2" accent3="accent3" accent4="accent4" accent5="accent5" accent6="accent6" hlink="hlink" folHlink="folHlink"/>
   <p:notesStyle>
@@ -701,15 +661,15 @@
       <a:buClr>
         <a:srgbClr val="000000"/>
       </a:buClr>
-      <a:buFont typeface="Arial"/>
+      <a:buFont typeface="Arial" panose="020B0604020202020204"/>
       <a:defRPr sz="1400" b="0" i="0" u="none" strike="noStrike" cap="none">
         <a:solidFill>
           <a:srgbClr val="000000"/>
         </a:solidFill>
-        <a:latin typeface="Arial"/>
-        <a:ea typeface="Arial"/>
-        <a:cs typeface="Arial"/>
-        <a:sym typeface="Arial"/>
+        <a:latin typeface="Arial" panose="020B0604020202020204"/>
+        <a:ea typeface="Arial" panose="020B0604020202020204"/>
+        <a:cs typeface="Arial" panose="020B0604020202020204"/>
+        <a:sym typeface="Arial" panose="020B0604020202020204"/>
       </a:defRPr>
     </a:lvl1pPr>
     <a:lvl2pPr marR="0" lvl="1" algn="l" rtl="0">
@@ -725,15 +685,15 @@
       <a:buClr>
         <a:srgbClr val="000000"/>
       </a:buClr>
-      <a:buFont typeface="Arial"/>
+      <a:buFont typeface="Arial" panose="020B0604020202020204"/>
       <a:defRPr sz="1400" b="0" i="0" u="none" strike="noStrike" cap="none">
         <a:solidFill>
           <a:srgbClr val="000000"/>
         </a:solidFill>
-        <a:latin typeface="Arial"/>
-        <a:ea typeface="Arial"/>
-        <a:cs typeface="Arial"/>
-        <a:sym typeface="Arial"/>
+        <a:latin typeface="Arial" panose="020B0604020202020204"/>
+        <a:ea typeface="Arial" panose="020B0604020202020204"/>
+        <a:cs typeface="Arial" panose="020B0604020202020204"/>
+        <a:sym typeface="Arial" panose="020B0604020202020204"/>
       </a:defRPr>
     </a:lvl2pPr>
     <a:lvl3pPr marR="0" lvl="2" algn="l" rtl="0">
@@ -749,15 +709,15 @@
       <a:buClr>
         <a:srgbClr val="000000"/>
       </a:buClr>
-      <a:buFont typeface="Arial"/>
+      <a:buFont typeface="Arial" panose="020B0604020202020204"/>
       <a:defRPr sz="1400" b="0" i="0" u="none" strike="noStrike" cap="none">
         <a:solidFill>
           <a:srgbClr val="000000"/>
         </a:solidFill>
-        <a:latin typeface="Arial"/>
-        <a:ea typeface="Arial"/>
-        <a:cs typeface="Arial"/>
-        <a:sym typeface="Arial"/>
+        <a:latin typeface="Arial" panose="020B0604020202020204"/>
+        <a:ea typeface="Arial" panose="020B0604020202020204"/>
+        <a:cs typeface="Arial" panose="020B0604020202020204"/>
+        <a:sym typeface="Arial" panose="020B0604020202020204"/>
       </a:defRPr>
     </a:lvl3pPr>
     <a:lvl4pPr marR="0" lvl="3" algn="l" rtl="0">
@@ -773,15 +733,15 @@
       <a:buClr>
         <a:srgbClr val="000000"/>
       </a:buClr>
-      <a:buFont typeface="Arial"/>
+      <a:buFont typeface="Arial" panose="020B0604020202020204"/>
       <a:defRPr sz="1400" b="0" i="0" u="none" strike="noStrike" cap="none">
         <a:solidFill>
           <a:srgbClr val="000000"/>
         </a:solidFill>
-        <a:latin typeface="Arial"/>
-        <a:ea typeface="Arial"/>
-        <a:cs typeface="Arial"/>
-        <a:sym typeface="Arial"/>
+        <a:latin typeface="Arial" panose="020B0604020202020204"/>
+        <a:ea typeface="Arial" panose="020B0604020202020204"/>
+        <a:cs typeface="Arial" panose="020B0604020202020204"/>
+        <a:sym typeface="Arial" panose="020B0604020202020204"/>
       </a:defRPr>
     </a:lvl4pPr>
     <a:lvl5pPr marR="0" lvl="4" algn="l" rtl="0">
@@ -797,15 +757,15 @@
       <a:buClr>
         <a:srgbClr val="000000"/>
       </a:buClr>
-      <a:buFont typeface="Arial"/>
+      <a:buFont typeface="Arial" panose="020B0604020202020204"/>
       <a:defRPr sz="1400" b="0" i="0" u="none" strike="noStrike" cap="none">
         <a:solidFill>
           <a:srgbClr val="000000"/>
         </a:solidFill>
-        <a:latin typeface="Arial"/>
-        <a:ea typeface="Arial"/>
-        <a:cs typeface="Arial"/>
-        <a:sym typeface="Arial"/>
+        <a:latin typeface="Arial" panose="020B0604020202020204"/>
+        <a:ea typeface="Arial" panose="020B0604020202020204"/>
+        <a:cs typeface="Arial" panose="020B0604020202020204"/>
+        <a:sym typeface="Arial" panose="020B0604020202020204"/>
       </a:defRPr>
     </a:lvl5pPr>
     <a:lvl6pPr marR="0" lvl="5" algn="l" rtl="0">
@@ -821,15 +781,15 @@
       <a:buClr>
         <a:srgbClr val="000000"/>
       </a:buClr>
-      <a:buFont typeface="Arial"/>
+      <a:buFont typeface="Arial" panose="020B0604020202020204"/>
       <a:defRPr sz="1400" b="0" i="0" u="none" strike="noStrike" cap="none">
         <a:solidFill>
           <a:srgbClr val="000000"/>
         </a:solidFill>
-        <a:latin typeface="Arial"/>
-        <a:ea typeface="Arial"/>
-        <a:cs typeface="Arial"/>
-        <a:sym typeface="Arial"/>
+        <a:latin typeface="Arial" panose="020B0604020202020204"/>
+        <a:ea typeface="Arial" panose="020B0604020202020204"/>
+        <a:cs typeface="Arial" panose="020B0604020202020204"/>
+        <a:sym typeface="Arial" panose="020B0604020202020204"/>
       </a:defRPr>
     </a:lvl6pPr>
     <a:lvl7pPr marR="0" lvl="6" algn="l" rtl="0">
@@ -845,15 +805,15 @@
       <a:buClr>
         <a:srgbClr val="000000"/>
       </a:buClr>
-      <a:buFont typeface="Arial"/>
+      <a:buFont typeface="Arial" panose="020B0604020202020204"/>
       <a:defRPr sz="1400" b="0" i="0" u="none" strike="noStrike" cap="none">
         <a:solidFill>
           <a:srgbClr val="000000"/>
         </a:solidFill>
-        <a:latin typeface="Arial"/>
-        <a:ea typeface="Arial"/>
-        <a:cs typeface="Arial"/>
-        <a:sym typeface="Arial"/>
+        <a:latin typeface="Arial" panose="020B0604020202020204"/>
+        <a:ea typeface="Arial" panose="020B0604020202020204"/>
+        <a:cs typeface="Arial" panose="020B0604020202020204"/>
+        <a:sym typeface="Arial" panose="020B0604020202020204"/>
       </a:defRPr>
     </a:lvl7pPr>
     <a:lvl8pPr marR="0" lvl="7" algn="l" rtl="0">
@@ -869,15 +829,15 @@
       <a:buClr>
         <a:srgbClr val="000000"/>
       </a:buClr>
-      <a:buFont typeface="Arial"/>
+      <a:buFont typeface="Arial" panose="020B0604020202020204"/>
       <a:defRPr sz="1400" b="0" i="0" u="none" strike="noStrike" cap="none">
         <a:solidFill>
           <a:srgbClr val="000000"/>
         </a:solidFill>
-        <a:latin typeface="Arial"/>
-        <a:ea typeface="Arial"/>
-        <a:cs typeface="Arial"/>
-        <a:sym typeface="Arial"/>
+        <a:latin typeface="Arial" panose="020B0604020202020204"/>
+        <a:ea typeface="Arial" panose="020B0604020202020204"/>
+        <a:cs typeface="Arial" panose="020B0604020202020204"/>
+        <a:sym typeface="Arial" panose="020B0604020202020204"/>
       </a:defRPr>
     </a:lvl8pPr>
     <a:lvl9pPr marR="0" lvl="8" algn="l" rtl="0">
@@ -893,15 +853,15 @@
       <a:buClr>
         <a:srgbClr val="000000"/>
       </a:buClr>
-      <a:buFont typeface="Arial"/>
+      <a:buFont typeface="Arial" panose="020B0604020202020204"/>
       <a:defRPr sz="1400" b="0" i="0" u="none" strike="noStrike" cap="none">
         <a:solidFill>
           <a:srgbClr val="000000"/>
         </a:solidFill>
-        <a:latin typeface="Arial"/>
-        <a:ea typeface="Arial"/>
-        <a:cs typeface="Arial"/>
-        <a:sym typeface="Arial"/>
+        <a:latin typeface="Arial" panose="020B0604020202020204"/>
+        <a:ea typeface="Arial" panose="020B0604020202020204"/>
+        <a:cs typeface="Arial" panose="020B0604020202020204"/>
+        <a:sym typeface="Arial" panose="020B0604020202020204"/>
       </a:defRPr>
     </a:lvl9pPr>
   </p:notesStyle>
@@ -909,7 +869,7 @@
 </file>
 
 <file path=ppt/notesSlides/notesSlide1.xml><?xml version="1.0" encoding="utf-8"?>
-<p:notes xmlns:a="http://schemas.openxmlformats.org/drawingml/2006/main" xmlns:r="http://schemas.openxmlformats.org/officeDocument/2006/relationships" xmlns:p="http://schemas.openxmlformats.org/presentationml/2006/main" showMasterSp="0" showMasterPhAnim="0">
+<p:notes xmlns:a="http://schemas.openxmlformats.org/drawingml/2006/main" xmlns:r="http://schemas.openxmlformats.org/officeDocument/2006/relationships" xmlns:p="http://schemas.openxmlformats.org/presentationml/2006/main" showMasterPhAnim="0" showMasterSp="0">
   <p:cSld>
     <p:spTree>
       <p:nvGrpSpPr>
@@ -1000,7 +960,6 @@
               </a:spcAft>
               <a:buNone/>
             </a:pPr>
-            <a:endParaRPr/>
           </a:p>
         </p:txBody>
       </p:sp>
@@ -1013,7 +972,7 @@
 </file>
 
 <file path=ppt/notesSlides/notesSlide10.xml><?xml version="1.0" encoding="utf-8"?>
-<p:notes xmlns:a="http://schemas.openxmlformats.org/drawingml/2006/main" xmlns:r="http://schemas.openxmlformats.org/officeDocument/2006/relationships" xmlns:p="http://schemas.openxmlformats.org/presentationml/2006/main" showMasterSp="0" showMasterPhAnim="0">
+<p:notes xmlns:a="http://schemas.openxmlformats.org/drawingml/2006/main" xmlns:r="http://schemas.openxmlformats.org/officeDocument/2006/relationships" xmlns:p="http://schemas.openxmlformats.org/presentationml/2006/main" showMasterPhAnim="0" showMasterSp="0">
   <p:cSld>
     <p:spTree>
       <p:nvGrpSpPr>
@@ -1104,7 +1063,6 @@
               </a:spcAft>
               <a:buNone/>
             </a:pPr>
-            <a:endParaRPr/>
           </a:p>
         </p:txBody>
       </p:sp>
@@ -1117,7 +1075,7 @@
 </file>
 
 <file path=ppt/notesSlides/notesSlide11.xml><?xml version="1.0" encoding="utf-8"?>
-<p:notes xmlns:a="http://schemas.openxmlformats.org/drawingml/2006/main" xmlns:r="http://schemas.openxmlformats.org/officeDocument/2006/relationships" xmlns:p="http://schemas.openxmlformats.org/presentationml/2006/main" showMasterSp="0" showMasterPhAnim="0">
+<p:notes xmlns:a="http://schemas.openxmlformats.org/drawingml/2006/main" xmlns:r="http://schemas.openxmlformats.org/officeDocument/2006/relationships" xmlns:p="http://schemas.openxmlformats.org/presentationml/2006/main" showMasterPhAnim="0" showMasterSp="0">
   <p:cSld>
     <p:spTree>
       <p:nvGrpSpPr>
@@ -1208,7 +1166,6 @@
               </a:spcAft>
               <a:buNone/>
             </a:pPr>
-            <a:endParaRPr/>
           </a:p>
         </p:txBody>
       </p:sp>
@@ -1221,7 +1178,7 @@
 </file>
 
 <file path=ppt/notesSlides/notesSlide12.xml><?xml version="1.0" encoding="utf-8"?>
-<p:notes xmlns:a="http://schemas.openxmlformats.org/drawingml/2006/main" xmlns:r="http://schemas.openxmlformats.org/officeDocument/2006/relationships" xmlns:p="http://schemas.openxmlformats.org/presentationml/2006/main" showMasterSp="0" showMasterPhAnim="0">
+<p:notes xmlns:a="http://schemas.openxmlformats.org/drawingml/2006/main" xmlns:r="http://schemas.openxmlformats.org/officeDocument/2006/relationships" xmlns:p="http://schemas.openxmlformats.org/presentationml/2006/main" showMasterPhAnim="0" showMasterSp="0">
   <p:cSld>
     <p:spTree>
       <p:nvGrpSpPr>
@@ -1312,7 +1269,6 @@
               </a:spcAft>
               <a:buNone/>
             </a:pPr>
-            <a:endParaRPr/>
           </a:p>
         </p:txBody>
       </p:sp>
@@ -1325,7 +1281,7 @@
 </file>
 
 <file path=ppt/notesSlides/notesSlide13.xml><?xml version="1.0" encoding="utf-8"?>
-<p:notes xmlns:a="http://schemas.openxmlformats.org/drawingml/2006/main" xmlns:r="http://schemas.openxmlformats.org/officeDocument/2006/relationships" xmlns:p="http://schemas.openxmlformats.org/presentationml/2006/main" showMasterSp="0" showMasterPhAnim="0">
+<p:notes xmlns:a="http://schemas.openxmlformats.org/drawingml/2006/main" xmlns:r="http://schemas.openxmlformats.org/officeDocument/2006/relationships" xmlns:p="http://schemas.openxmlformats.org/presentationml/2006/main" showMasterPhAnim="0" showMasterSp="0">
   <p:cSld>
     <p:spTree>
       <p:nvGrpSpPr>
@@ -1416,7 +1372,6 @@
               </a:spcAft>
               <a:buNone/>
             </a:pPr>
-            <a:endParaRPr/>
           </a:p>
         </p:txBody>
       </p:sp>
@@ -1429,7 +1384,7 @@
 </file>
 
 <file path=ppt/notesSlides/notesSlide14.xml><?xml version="1.0" encoding="utf-8"?>
-<p:notes xmlns:a="http://schemas.openxmlformats.org/drawingml/2006/main" xmlns:r="http://schemas.openxmlformats.org/officeDocument/2006/relationships" xmlns:p="http://schemas.openxmlformats.org/presentationml/2006/main" showMasterSp="0" showMasterPhAnim="0">
+<p:notes xmlns:a="http://schemas.openxmlformats.org/drawingml/2006/main" xmlns:r="http://schemas.openxmlformats.org/officeDocument/2006/relationships" xmlns:p="http://schemas.openxmlformats.org/presentationml/2006/main" showMasterPhAnim="0" showMasterSp="0">
   <p:cSld>
     <p:spTree>
       <p:nvGrpSpPr>
@@ -1520,7 +1475,6 @@
               </a:spcAft>
               <a:buNone/>
             </a:pPr>
-            <a:endParaRPr/>
           </a:p>
         </p:txBody>
       </p:sp>
@@ -1533,7 +1487,7 @@
 </file>
 
 <file path=ppt/notesSlides/notesSlide15.xml><?xml version="1.0" encoding="utf-8"?>
-<p:notes xmlns:a="http://schemas.openxmlformats.org/drawingml/2006/main" xmlns:r="http://schemas.openxmlformats.org/officeDocument/2006/relationships" xmlns:p="http://schemas.openxmlformats.org/presentationml/2006/main" showMasterSp="0" showMasterPhAnim="0">
+<p:notes xmlns:a="http://schemas.openxmlformats.org/drawingml/2006/main" xmlns:r="http://schemas.openxmlformats.org/officeDocument/2006/relationships" xmlns:p="http://schemas.openxmlformats.org/presentationml/2006/main" showMasterPhAnim="0" showMasterSp="0">
   <p:cSld>
     <p:spTree>
       <p:nvGrpSpPr>
@@ -1624,7 +1578,6 @@
               </a:spcAft>
               <a:buNone/>
             </a:pPr>
-            <a:endParaRPr/>
           </a:p>
         </p:txBody>
       </p:sp>
@@ -1637,7 +1590,7 @@
 </file>
 
 <file path=ppt/notesSlides/notesSlide2.xml><?xml version="1.0" encoding="utf-8"?>
-<p:notes xmlns:a="http://schemas.openxmlformats.org/drawingml/2006/main" xmlns:r="http://schemas.openxmlformats.org/officeDocument/2006/relationships" xmlns:p="http://schemas.openxmlformats.org/presentationml/2006/main" showMasterSp="0" showMasterPhAnim="0">
+<p:notes xmlns:a="http://schemas.openxmlformats.org/drawingml/2006/main" xmlns:r="http://schemas.openxmlformats.org/officeDocument/2006/relationships" xmlns:p="http://schemas.openxmlformats.org/presentationml/2006/main" showMasterPhAnim="0" showMasterSp="0">
   <p:cSld>
     <p:spTree>
       <p:nvGrpSpPr>
@@ -1728,7 +1681,6 @@
               </a:spcAft>
               <a:buNone/>
             </a:pPr>
-            <a:endParaRPr/>
           </a:p>
         </p:txBody>
       </p:sp>
@@ -1741,7 +1693,7 @@
 </file>
 
 <file path=ppt/notesSlides/notesSlide3.xml><?xml version="1.0" encoding="utf-8"?>
-<p:notes xmlns:a="http://schemas.openxmlformats.org/drawingml/2006/main" xmlns:r="http://schemas.openxmlformats.org/officeDocument/2006/relationships" xmlns:p="http://schemas.openxmlformats.org/presentationml/2006/main" showMasterSp="0" showMasterPhAnim="0">
+<p:notes xmlns:a="http://schemas.openxmlformats.org/drawingml/2006/main" xmlns:r="http://schemas.openxmlformats.org/officeDocument/2006/relationships" xmlns:p="http://schemas.openxmlformats.org/presentationml/2006/main" showMasterPhAnim="0" showMasterSp="0">
   <p:cSld>
     <p:spTree>
       <p:nvGrpSpPr>
@@ -1832,7 +1784,6 @@
               </a:spcAft>
               <a:buNone/>
             </a:pPr>
-            <a:endParaRPr/>
           </a:p>
         </p:txBody>
       </p:sp>
@@ -1845,7 +1796,7 @@
 </file>
 
 <file path=ppt/notesSlides/notesSlide4.xml><?xml version="1.0" encoding="utf-8"?>
-<p:notes xmlns:a="http://schemas.openxmlformats.org/drawingml/2006/main" xmlns:r="http://schemas.openxmlformats.org/officeDocument/2006/relationships" xmlns:p="http://schemas.openxmlformats.org/presentationml/2006/main" showMasterSp="0" showMasterPhAnim="0">
+<p:notes xmlns:a="http://schemas.openxmlformats.org/drawingml/2006/main" xmlns:r="http://schemas.openxmlformats.org/officeDocument/2006/relationships" xmlns:p="http://schemas.openxmlformats.org/presentationml/2006/main" showMasterPhAnim="0" showMasterSp="0">
   <p:cSld>
     <p:spTree>
       <p:nvGrpSpPr>
@@ -1936,7 +1887,6 @@
               </a:spcAft>
               <a:buNone/>
             </a:pPr>
-            <a:endParaRPr/>
           </a:p>
         </p:txBody>
       </p:sp>
@@ -1949,7 +1899,7 @@
 </file>
 
 <file path=ppt/notesSlides/notesSlide5.xml><?xml version="1.0" encoding="utf-8"?>
-<p:notes xmlns:a="http://schemas.openxmlformats.org/drawingml/2006/main" xmlns:r="http://schemas.openxmlformats.org/officeDocument/2006/relationships" xmlns:p="http://schemas.openxmlformats.org/presentationml/2006/main" showMasterSp="0" showMasterPhAnim="0">
+<p:notes xmlns:a="http://schemas.openxmlformats.org/drawingml/2006/main" xmlns:r="http://schemas.openxmlformats.org/officeDocument/2006/relationships" xmlns:p="http://schemas.openxmlformats.org/presentationml/2006/main" showMasterPhAnim="0" showMasterSp="0">
   <p:cSld>
     <p:spTree>
       <p:nvGrpSpPr>
@@ -2040,7 +1990,6 @@
               </a:spcAft>
               <a:buNone/>
             </a:pPr>
-            <a:endParaRPr/>
           </a:p>
         </p:txBody>
       </p:sp>
@@ -2053,7 +2002,7 @@
 </file>
 
 <file path=ppt/notesSlides/notesSlide6.xml><?xml version="1.0" encoding="utf-8"?>
-<p:notes xmlns:a="http://schemas.openxmlformats.org/drawingml/2006/main" xmlns:r="http://schemas.openxmlformats.org/officeDocument/2006/relationships" xmlns:p="http://schemas.openxmlformats.org/presentationml/2006/main" showMasterSp="0" showMasterPhAnim="0">
+<p:notes xmlns:a="http://schemas.openxmlformats.org/drawingml/2006/main" xmlns:r="http://schemas.openxmlformats.org/officeDocument/2006/relationships" xmlns:p="http://schemas.openxmlformats.org/presentationml/2006/main" showMasterPhAnim="0" showMasterSp="0">
   <p:cSld>
     <p:spTree>
       <p:nvGrpSpPr>
@@ -2144,7 +2093,6 @@
               </a:spcAft>
               <a:buNone/>
             </a:pPr>
-            <a:endParaRPr/>
           </a:p>
         </p:txBody>
       </p:sp>
@@ -2157,7 +2105,7 @@
 </file>
 
 <file path=ppt/notesSlides/notesSlide7.xml><?xml version="1.0" encoding="utf-8"?>
-<p:notes xmlns:a="http://schemas.openxmlformats.org/drawingml/2006/main" xmlns:r="http://schemas.openxmlformats.org/officeDocument/2006/relationships" xmlns:p="http://schemas.openxmlformats.org/presentationml/2006/main" showMasterSp="0" showMasterPhAnim="0">
+<p:notes xmlns:a="http://schemas.openxmlformats.org/drawingml/2006/main" xmlns:r="http://schemas.openxmlformats.org/officeDocument/2006/relationships" xmlns:p="http://schemas.openxmlformats.org/presentationml/2006/main" showMasterPhAnim="0" showMasterSp="0">
   <p:cSld>
     <p:spTree>
       <p:nvGrpSpPr>
@@ -2248,7 +2196,6 @@
               </a:spcAft>
               <a:buNone/>
             </a:pPr>
-            <a:endParaRPr/>
           </a:p>
         </p:txBody>
       </p:sp>
@@ -2261,7 +2208,7 @@
 </file>
 
 <file path=ppt/notesSlides/notesSlide8.xml><?xml version="1.0" encoding="utf-8"?>
-<p:notes xmlns:a="http://schemas.openxmlformats.org/drawingml/2006/main" xmlns:r="http://schemas.openxmlformats.org/officeDocument/2006/relationships" xmlns:p="http://schemas.openxmlformats.org/presentationml/2006/main" showMasterSp="0" showMasterPhAnim="0">
+<p:notes xmlns:a="http://schemas.openxmlformats.org/drawingml/2006/main" xmlns:r="http://schemas.openxmlformats.org/officeDocument/2006/relationships" xmlns:p="http://schemas.openxmlformats.org/presentationml/2006/main" showMasterPhAnim="0" showMasterSp="0">
   <p:cSld>
     <p:spTree>
       <p:nvGrpSpPr>
@@ -2352,7 +2299,6 @@
               </a:spcAft>
               <a:buNone/>
             </a:pPr>
-            <a:endParaRPr/>
           </a:p>
         </p:txBody>
       </p:sp>
@@ -2365,7 +2311,7 @@
 </file>
 
 <file path=ppt/notesSlides/notesSlide9.xml><?xml version="1.0" encoding="utf-8"?>
-<p:notes xmlns:a="http://schemas.openxmlformats.org/drawingml/2006/main" xmlns:r="http://schemas.openxmlformats.org/officeDocument/2006/relationships" xmlns:p="http://schemas.openxmlformats.org/presentationml/2006/main" showMasterSp="0" showMasterPhAnim="0">
+<p:notes xmlns:a="http://schemas.openxmlformats.org/drawingml/2006/main" xmlns:r="http://schemas.openxmlformats.org/officeDocument/2006/relationships" xmlns:p="http://schemas.openxmlformats.org/presentationml/2006/main" showMasterPhAnim="0" showMasterSp="0">
   <p:cSld>
     <p:spTree>
       <p:nvGrpSpPr>
@@ -2456,7 +2402,6 @@
               </a:spcAft>
               <a:buNone/>
             </a:pPr>
-            <a:endParaRPr/>
           </a:p>
         </p:txBody>
       </p:sp>
@@ -2469,7 +2414,7 @@
 </file>
 
 <file path=ppt/slideLayouts/slideLayout1.xml><?xml version="1.0" encoding="utf-8"?>
-<p:sldLayout xmlns:a="http://schemas.openxmlformats.org/drawingml/2006/main" xmlns:r="http://schemas.openxmlformats.org/officeDocument/2006/relationships" xmlns:p="http://schemas.openxmlformats.org/presentationml/2006/main" matchingName="Title slide" type="title">
+<p:sldLayout xmlns:a="http://schemas.openxmlformats.org/drawingml/2006/main" xmlns:r="http://schemas.openxmlformats.org/officeDocument/2006/relationships" xmlns:p="http://schemas.openxmlformats.org/presentationml/2006/main" type="title" matchingName="Title slide">
   <p:cSld name="TITLE">
     <p:bg>
       <p:bgPr>
@@ -2758,9 +2703,7 @@
               </a:defRPr>
             </a:lvl9pPr>
           </a:lstStyle>
-          <a:p>
-            <a:endParaRPr/>
-          </a:p>
+          <a:p/>
         </p:txBody>
       </p:sp>
       <p:sp>
@@ -2977,9 +2920,7 @@
               </a:defRPr>
             </a:lvl9pPr>
           </a:lstStyle>
-          <a:p>
-            <a:endParaRPr/>
-          </a:p>
+          <a:p/>
         </p:txBody>
       </p:sp>
       <p:sp>
@@ -3090,10 +3031,9 @@
               <a:buNone/>
             </a:pPr>
             <a:fld id="{00000000-1234-1234-1234-123412341234}" type="slidenum">
-              <a:rPr lang="en"/>
-              <a:t>‹#›</a:t>
+              <a:rPr lang="en-GB"/>
             </a:fld>
-            <a:endParaRPr/>
+            <a:endParaRPr lang="en-GB"/>
           </a:p>
         </p:txBody>
       </p:sp>
@@ -3106,7 +3046,7 @@
 </file>
 
 <file path=ppt/slideLayouts/slideLayout2.xml><?xml version="1.0" encoding="utf-8"?>
-<p:sldLayout xmlns:a="http://schemas.openxmlformats.org/drawingml/2006/main" xmlns:r="http://schemas.openxmlformats.org/officeDocument/2006/relationships" xmlns:p="http://schemas.openxmlformats.org/presentationml/2006/main" matchingName="Section header" type="secHead">
+<p:sldLayout xmlns:a="http://schemas.openxmlformats.org/drawingml/2006/main" xmlns:r="http://schemas.openxmlformats.org/officeDocument/2006/relationships" xmlns:p="http://schemas.openxmlformats.org/presentationml/2006/main" type="secHead" matchingName="Section header">
   <p:cSld name="SECTION_HEADER">
     <p:bg>
       <p:bgPr>
@@ -3369,9 +3309,7 @@
               </a:defRPr>
             </a:lvl9pPr>
           </a:lstStyle>
-          <a:p>
-            <a:endParaRPr/>
-          </a:p>
+          <a:p/>
         </p:txBody>
       </p:sp>
       <p:sp>
@@ -3482,10 +3420,9 @@
               <a:buNone/>
             </a:pPr>
             <a:fld id="{00000000-1234-1234-1234-123412341234}" type="slidenum">
-              <a:rPr lang="en"/>
-              <a:t>‹#›</a:t>
+              <a:rPr lang="en-GB"/>
             </a:fld>
-            <a:endParaRPr/>
+            <a:endParaRPr lang="en-GB"/>
           </a:p>
         </p:txBody>
       </p:sp>
@@ -3498,7 +3435,7 @@
 </file>
 
 <file path=ppt/slideLayouts/slideLayout3.xml><?xml version="1.0" encoding="utf-8"?>
-<p:sldLayout xmlns:a="http://schemas.openxmlformats.org/drawingml/2006/main" xmlns:r="http://schemas.openxmlformats.org/officeDocument/2006/relationships" xmlns:p="http://schemas.openxmlformats.org/presentationml/2006/main" matchingName="Title and body" type="tx">
+<p:sldLayout xmlns:a="http://schemas.openxmlformats.org/drawingml/2006/main" xmlns:r="http://schemas.openxmlformats.org/officeDocument/2006/relationships" xmlns:p="http://schemas.openxmlformats.org/presentationml/2006/main" type="tx" matchingName="Title and body">
   <p:cSld name="TITLE_AND_BODY">
     <p:spTree>
       <p:nvGrpSpPr>
@@ -3716,9 +3653,7 @@
               <a:defRPr/>
             </a:lvl9pPr>
           </a:lstStyle>
-          <a:p>
-            <a:endParaRPr/>
-          </a:p>
+          <a:p/>
         </p:txBody>
       </p:sp>
       <p:sp>
@@ -3845,9 +3780,7 @@
               <a:defRPr/>
             </a:lvl9pPr>
           </a:lstStyle>
-          <a:p>
-            <a:endParaRPr/>
-          </a:p>
+          <a:p/>
         </p:txBody>
       </p:sp>
       <p:sp>
@@ -3922,10 +3855,9 @@
               <a:buNone/>
             </a:pPr>
             <a:fld id="{00000000-1234-1234-1234-123412341234}" type="slidenum">
-              <a:rPr lang="en"/>
-              <a:t>‹#›</a:t>
+              <a:rPr lang="en-GB"/>
             </a:fld>
-            <a:endParaRPr/>
+            <a:endParaRPr lang="en-GB"/>
           </a:p>
         </p:txBody>
       </p:sp>
@@ -3938,7 +3870,7 @@
 </file>
 
 <file path=ppt/slideLayouts/slideLayout4.xml><?xml version="1.0" encoding="utf-8"?>
-<p:sldLayout xmlns:a="http://schemas.openxmlformats.org/drawingml/2006/main" xmlns:r="http://schemas.openxmlformats.org/officeDocument/2006/relationships" xmlns:p="http://schemas.openxmlformats.org/presentationml/2006/main" matchingName="Title and two columns" type="twoColTx">
+<p:sldLayout xmlns:a="http://schemas.openxmlformats.org/drawingml/2006/main" xmlns:r="http://schemas.openxmlformats.org/officeDocument/2006/relationships" xmlns:p="http://schemas.openxmlformats.org/presentationml/2006/main" type="twoColTx" matchingName="Title and two columns">
   <p:cSld name="TITLE_AND_TWO_COLUMNS">
     <p:spTree>
       <p:nvGrpSpPr>
@@ -4156,9 +4088,7 @@
               <a:defRPr/>
             </a:lvl9pPr>
           </a:lstStyle>
-          <a:p>
-            <a:endParaRPr/>
-          </a:p>
+          <a:p/>
         </p:txBody>
       </p:sp>
       <p:sp>
@@ -4285,9 +4215,7 @@
               <a:defRPr sz="1200"/>
             </a:lvl9pPr>
           </a:lstStyle>
-          <a:p>
-            <a:endParaRPr/>
-          </a:p>
+          <a:p/>
         </p:txBody>
       </p:sp>
       <p:sp>
@@ -4414,9 +4342,7 @@
               <a:defRPr sz="1200"/>
             </a:lvl9pPr>
           </a:lstStyle>
-          <a:p>
-            <a:endParaRPr/>
-          </a:p>
+          <a:p/>
         </p:txBody>
       </p:sp>
       <p:sp>
@@ -4491,10 +4417,9 @@
               <a:buNone/>
             </a:pPr>
             <a:fld id="{00000000-1234-1234-1234-123412341234}" type="slidenum">
-              <a:rPr lang="en"/>
-              <a:t>‹#›</a:t>
+              <a:rPr lang="en-GB"/>
             </a:fld>
-            <a:endParaRPr/>
+            <a:endParaRPr lang="en-GB"/>
           </a:p>
         </p:txBody>
       </p:sp>
@@ -4507,7 +4432,7 @@
 </file>
 
 <file path=ppt/slideLayouts/slideLayout5.xml><?xml version="1.0" encoding="utf-8"?>
-<p:sldLayout xmlns:a="http://schemas.openxmlformats.org/drawingml/2006/main" xmlns:r="http://schemas.openxmlformats.org/officeDocument/2006/relationships" xmlns:p="http://schemas.openxmlformats.org/presentationml/2006/main" matchingName="Title only" type="titleOnly">
+<p:sldLayout xmlns:a="http://schemas.openxmlformats.org/drawingml/2006/main" xmlns:r="http://schemas.openxmlformats.org/officeDocument/2006/relationships" xmlns:p="http://schemas.openxmlformats.org/presentationml/2006/main" type="titleOnly" matchingName="Title only">
   <p:cSld name="TITLE_ONLY">
     <p:spTree>
       <p:nvGrpSpPr>
@@ -4647,9 +4572,7 @@
               <a:defRPr/>
             </a:lvl9pPr>
           </a:lstStyle>
-          <a:p>
-            <a:endParaRPr/>
-          </a:p>
+          <a:p/>
         </p:txBody>
       </p:sp>
       <p:sp>
@@ -4724,10 +4647,9 @@
               <a:buNone/>
             </a:pPr>
             <a:fld id="{00000000-1234-1234-1234-123412341234}" type="slidenum">
-              <a:rPr lang="en"/>
-              <a:t>‹#›</a:t>
+              <a:rPr lang="en-GB"/>
             </a:fld>
-            <a:endParaRPr/>
+            <a:endParaRPr lang="en-GB"/>
           </a:p>
         </p:txBody>
       </p:sp>
@@ -4906,9 +4828,7 @@
               <a:defRPr sz="2400"/>
             </a:lvl9pPr>
           </a:lstStyle>
-          <a:p>
-            <a:endParaRPr/>
-          </a:p>
+          <a:p/>
         </p:txBody>
       </p:sp>
       <p:sp>
@@ -5035,9 +4955,7 @@
               <a:defRPr sz="1200"/>
             </a:lvl9pPr>
           </a:lstStyle>
-          <a:p>
-            <a:endParaRPr/>
-          </a:p>
+          <a:p/>
         </p:txBody>
       </p:sp>
       <p:sp>
@@ -5112,10 +5030,9 @@
               <a:buNone/>
             </a:pPr>
             <a:fld id="{00000000-1234-1234-1234-123412341234}" type="slidenum">
-              <a:rPr lang="en"/>
-              <a:t>‹#›</a:t>
+              <a:rPr lang="en-GB"/>
             </a:fld>
-            <a:endParaRPr/>
+            <a:endParaRPr lang="en-GB"/>
           </a:p>
         </p:txBody>
       </p:sp>
@@ -5365,9 +5282,7 @@
               </a:defRPr>
             </a:lvl9pPr>
           </a:lstStyle>
-          <a:p>
-            <a:endParaRPr/>
-          </a:p>
+          <a:p/>
         </p:txBody>
       </p:sp>
       <p:sp>
@@ -5478,10 +5393,9 @@
               <a:buNone/>
             </a:pPr>
             <a:fld id="{00000000-1234-1234-1234-123412341234}" type="slidenum">
-              <a:rPr lang="en"/>
-              <a:t>‹#›</a:t>
+              <a:rPr lang="en-GB"/>
             </a:fld>
-            <a:endParaRPr/>
+            <a:endParaRPr lang="en-GB"/>
           </a:p>
         </p:txBody>
       </p:sp>
@@ -5601,9 +5515,7 @@
               <a:defRPr/>
             </a:lvl1pPr>
           </a:lstStyle>
-          <a:p>
-            <a:endParaRPr/>
-          </a:p>
+          <a:p/>
         </p:txBody>
       </p:sp>
       <p:sp>
@@ -5678,10 +5590,9 @@
               <a:buNone/>
             </a:pPr>
             <a:fld id="{00000000-1234-1234-1234-123412341234}" type="slidenum">
-              <a:rPr lang="en"/>
-              <a:t>‹#›</a:t>
+              <a:rPr lang="en-GB"/>
             </a:fld>
-            <a:endParaRPr/>
+            <a:endParaRPr lang="en-GB"/>
           </a:p>
         </p:txBody>
       </p:sp>
@@ -5797,16 +5708,16 @@
                 <a:schemeClr val="dk1"/>
               </a:buClr>
               <a:buSzPts val="9600"/>
-              <a:buFont typeface="Lato"/>
+              <a:buFont typeface="Lato" panose="02010600030101010101"/>
               <a:buNone/>
               <a:defRPr sz="9600">
                 <a:solidFill>
                   <a:schemeClr val="dk1"/>
                 </a:solidFill>
-                <a:latin typeface="Lato"/>
-                <a:ea typeface="Lato"/>
-                <a:cs typeface="Lato"/>
-                <a:sym typeface="Lato"/>
+                <a:latin typeface="Lato" panose="02010600030101010101"/>
+                <a:ea typeface="Lato" panose="02010600030101010101"/>
+                <a:cs typeface="Lato" panose="02010600030101010101"/>
+                <a:sym typeface="Lato" panose="02010600030101010101"/>
               </a:defRPr>
             </a:lvl1pPr>
             <a:lvl2pPr lvl="1" algn="ctr">
@@ -5820,16 +5731,16 @@
                 <a:schemeClr val="dk1"/>
               </a:buClr>
               <a:buSzPts val="9600"/>
-              <a:buFont typeface="Lato"/>
+              <a:buFont typeface="Lato" panose="02010600030101010101"/>
               <a:buNone/>
               <a:defRPr sz="9600">
                 <a:solidFill>
                   <a:schemeClr val="dk1"/>
                 </a:solidFill>
-                <a:latin typeface="Lato"/>
-                <a:ea typeface="Lato"/>
-                <a:cs typeface="Lato"/>
-                <a:sym typeface="Lato"/>
+                <a:latin typeface="Lato" panose="02010600030101010101"/>
+                <a:ea typeface="Lato" panose="02010600030101010101"/>
+                <a:cs typeface="Lato" panose="02010600030101010101"/>
+                <a:sym typeface="Lato" panose="02010600030101010101"/>
               </a:defRPr>
             </a:lvl2pPr>
             <a:lvl3pPr lvl="2" algn="ctr">
@@ -5843,16 +5754,16 @@
                 <a:schemeClr val="dk1"/>
               </a:buClr>
               <a:buSzPts val="9600"/>
-              <a:buFont typeface="Lato"/>
+              <a:buFont typeface="Lato" panose="02010600030101010101"/>
               <a:buNone/>
               <a:defRPr sz="9600">
                 <a:solidFill>
                   <a:schemeClr val="dk1"/>
                 </a:solidFill>
-                <a:latin typeface="Lato"/>
-                <a:ea typeface="Lato"/>
-                <a:cs typeface="Lato"/>
-                <a:sym typeface="Lato"/>
+                <a:latin typeface="Lato" panose="02010600030101010101"/>
+                <a:ea typeface="Lato" panose="02010600030101010101"/>
+                <a:cs typeface="Lato" panose="02010600030101010101"/>
+                <a:sym typeface="Lato" panose="02010600030101010101"/>
               </a:defRPr>
             </a:lvl3pPr>
             <a:lvl4pPr lvl="3" algn="ctr">
@@ -5866,16 +5777,16 @@
                 <a:schemeClr val="dk1"/>
               </a:buClr>
               <a:buSzPts val="9600"/>
-              <a:buFont typeface="Lato"/>
+              <a:buFont typeface="Lato" panose="02010600030101010101"/>
               <a:buNone/>
               <a:defRPr sz="9600">
                 <a:solidFill>
                   <a:schemeClr val="dk1"/>
                 </a:solidFill>
-                <a:latin typeface="Lato"/>
-                <a:ea typeface="Lato"/>
-                <a:cs typeface="Lato"/>
-                <a:sym typeface="Lato"/>
+                <a:latin typeface="Lato" panose="02010600030101010101"/>
+                <a:ea typeface="Lato" panose="02010600030101010101"/>
+                <a:cs typeface="Lato" panose="02010600030101010101"/>
+                <a:sym typeface="Lato" panose="02010600030101010101"/>
               </a:defRPr>
             </a:lvl4pPr>
             <a:lvl5pPr lvl="4" algn="ctr">
@@ -5889,16 +5800,16 @@
                 <a:schemeClr val="dk1"/>
               </a:buClr>
               <a:buSzPts val="9600"/>
-              <a:buFont typeface="Lato"/>
+              <a:buFont typeface="Lato" panose="02010600030101010101"/>
               <a:buNone/>
               <a:defRPr sz="9600">
                 <a:solidFill>
                   <a:schemeClr val="dk1"/>
                 </a:solidFill>
-                <a:latin typeface="Lato"/>
-                <a:ea typeface="Lato"/>
-                <a:cs typeface="Lato"/>
-                <a:sym typeface="Lato"/>
+                <a:latin typeface="Lato" panose="02010600030101010101"/>
+                <a:ea typeface="Lato" panose="02010600030101010101"/>
+                <a:cs typeface="Lato" panose="02010600030101010101"/>
+                <a:sym typeface="Lato" panose="02010600030101010101"/>
               </a:defRPr>
             </a:lvl5pPr>
             <a:lvl6pPr lvl="5" algn="ctr">
@@ -5912,16 +5823,16 @@
                 <a:schemeClr val="dk1"/>
               </a:buClr>
               <a:buSzPts val="9600"/>
-              <a:buFont typeface="Lato"/>
+              <a:buFont typeface="Lato" panose="02010600030101010101"/>
               <a:buNone/>
               <a:defRPr sz="9600">
                 <a:solidFill>
                   <a:schemeClr val="dk1"/>
                 </a:solidFill>
-                <a:latin typeface="Lato"/>
-                <a:ea typeface="Lato"/>
-                <a:cs typeface="Lato"/>
-                <a:sym typeface="Lato"/>
+                <a:latin typeface="Lato" panose="02010600030101010101"/>
+                <a:ea typeface="Lato" panose="02010600030101010101"/>
+                <a:cs typeface="Lato" panose="02010600030101010101"/>
+                <a:sym typeface="Lato" panose="02010600030101010101"/>
               </a:defRPr>
             </a:lvl6pPr>
             <a:lvl7pPr lvl="6" algn="ctr">
@@ -5935,16 +5846,16 @@
                 <a:schemeClr val="dk1"/>
               </a:buClr>
               <a:buSzPts val="9600"/>
-              <a:buFont typeface="Lato"/>
+              <a:buFont typeface="Lato" panose="02010600030101010101"/>
               <a:buNone/>
               <a:defRPr sz="9600">
                 <a:solidFill>
                   <a:schemeClr val="dk1"/>
                 </a:solidFill>
-                <a:latin typeface="Lato"/>
-                <a:ea typeface="Lato"/>
-                <a:cs typeface="Lato"/>
-                <a:sym typeface="Lato"/>
+                <a:latin typeface="Lato" panose="02010600030101010101"/>
+                <a:ea typeface="Lato" panose="02010600030101010101"/>
+                <a:cs typeface="Lato" panose="02010600030101010101"/>
+                <a:sym typeface="Lato" panose="02010600030101010101"/>
               </a:defRPr>
             </a:lvl7pPr>
             <a:lvl8pPr lvl="7" algn="ctr">
@@ -5958,16 +5869,16 @@
                 <a:schemeClr val="dk1"/>
               </a:buClr>
               <a:buSzPts val="9600"/>
-              <a:buFont typeface="Lato"/>
+              <a:buFont typeface="Lato" panose="02010600030101010101"/>
               <a:buNone/>
               <a:defRPr sz="9600">
                 <a:solidFill>
                   <a:schemeClr val="dk1"/>
                 </a:solidFill>
-                <a:latin typeface="Lato"/>
-                <a:ea typeface="Lato"/>
-                <a:cs typeface="Lato"/>
-                <a:sym typeface="Lato"/>
+                <a:latin typeface="Lato" panose="02010600030101010101"/>
+                <a:ea typeface="Lato" panose="02010600030101010101"/>
+                <a:cs typeface="Lato" panose="02010600030101010101"/>
+                <a:sym typeface="Lato" panose="02010600030101010101"/>
               </a:defRPr>
             </a:lvl8pPr>
             <a:lvl9pPr lvl="8" algn="ctr">
@@ -5981,16 +5892,16 @@
                 <a:schemeClr val="dk1"/>
               </a:buClr>
               <a:buSzPts val="9600"/>
-              <a:buFont typeface="Lato"/>
+              <a:buFont typeface="Lato" panose="02010600030101010101"/>
               <a:buNone/>
               <a:defRPr sz="9600">
                 <a:solidFill>
                   <a:schemeClr val="dk1"/>
                 </a:solidFill>
-                <a:latin typeface="Lato"/>
-                <a:ea typeface="Lato"/>
-                <a:cs typeface="Lato"/>
-                <a:sym typeface="Lato"/>
+                <a:latin typeface="Lato" panose="02010600030101010101"/>
+                <a:ea typeface="Lato" panose="02010600030101010101"/>
+                <a:cs typeface="Lato" panose="02010600030101010101"/>
+                <a:sym typeface="Lato" panose="02010600030101010101"/>
               </a:defRPr>
             </a:lvl9pPr>
           </a:lstStyle>
@@ -6125,9 +6036,7 @@
               <a:defRPr/>
             </a:lvl9pPr>
           </a:lstStyle>
-          <a:p>
-            <a:endParaRPr/>
-          </a:p>
+          <a:p/>
         </p:txBody>
       </p:sp>
       <p:sp>
@@ -6202,10 +6111,9 @@
               <a:buNone/>
             </a:pPr>
             <a:fld id="{00000000-1234-1234-1234-123412341234}" type="slidenum">
-              <a:rPr lang="en"/>
-              <a:t>‹#›</a:t>
+              <a:rPr lang="en-GB"/>
             </a:fld>
-            <a:endParaRPr/>
+            <a:endParaRPr lang="en-GB"/>
           </a:p>
         </p:txBody>
       </p:sp>
@@ -6219,7 +6127,7 @@
 
 <file path=ppt/slideMasters/slideMaster1.xml><?xml version="1.0" encoding="utf-8"?>
 <p:sldMaster xmlns:a="http://schemas.openxmlformats.org/drawingml/2006/main" xmlns:r="http://schemas.openxmlformats.org/officeDocument/2006/relationships" xmlns:p="http://schemas.openxmlformats.org/presentationml/2006/main">
-  <p:cSld name="swiss-2">
+  <p:cSld>
     <p:bg>
       <p:bgPr>
         <a:solidFill>
@@ -6281,16 +6189,16 @@
                 <a:schemeClr val="dk2"/>
               </a:buClr>
               <a:buSzPts val="3000"/>
-              <a:buFont typeface="Raleway"/>
+              <a:buFont typeface="Raleway" panose="020B0503030101060003"/>
               <a:buNone/>
               <a:defRPr sz="3000" b="1">
                 <a:solidFill>
                   <a:schemeClr val="dk2"/>
                 </a:solidFill>
-                <a:latin typeface="Raleway"/>
-                <a:ea typeface="Raleway"/>
-                <a:cs typeface="Raleway"/>
-                <a:sym typeface="Raleway"/>
+                <a:latin typeface="Raleway" panose="020B0503030101060003"/>
+                <a:ea typeface="Raleway" panose="020B0503030101060003"/>
+                <a:cs typeface="Raleway" panose="020B0503030101060003"/>
+                <a:sym typeface="Raleway" panose="020B0503030101060003"/>
               </a:defRPr>
             </a:lvl1pPr>
             <a:lvl2pPr lvl="1">
@@ -6304,16 +6212,16 @@
                 <a:schemeClr val="dk2"/>
               </a:buClr>
               <a:buSzPts val="3000"/>
-              <a:buFont typeface="Raleway"/>
+              <a:buFont typeface="Raleway" panose="020B0503030101060003"/>
               <a:buNone/>
               <a:defRPr sz="3000" b="1">
                 <a:solidFill>
                   <a:schemeClr val="dk2"/>
                 </a:solidFill>
-                <a:latin typeface="Raleway"/>
-                <a:ea typeface="Raleway"/>
-                <a:cs typeface="Raleway"/>
-                <a:sym typeface="Raleway"/>
+                <a:latin typeface="Raleway" panose="020B0503030101060003"/>
+                <a:ea typeface="Raleway" panose="020B0503030101060003"/>
+                <a:cs typeface="Raleway" panose="020B0503030101060003"/>
+                <a:sym typeface="Raleway" panose="020B0503030101060003"/>
               </a:defRPr>
             </a:lvl2pPr>
             <a:lvl3pPr lvl="2">
@@ -6327,16 +6235,16 @@
                 <a:schemeClr val="dk2"/>
               </a:buClr>
               <a:buSzPts val="3000"/>
-              <a:buFont typeface="Raleway"/>
+              <a:buFont typeface="Raleway" panose="020B0503030101060003"/>
               <a:buNone/>
               <a:defRPr sz="3000" b="1">
                 <a:solidFill>
                   <a:schemeClr val="dk2"/>
                 </a:solidFill>
-                <a:latin typeface="Raleway"/>
-                <a:ea typeface="Raleway"/>
-                <a:cs typeface="Raleway"/>
-                <a:sym typeface="Raleway"/>
+                <a:latin typeface="Raleway" panose="020B0503030101060003"/>
+                <a:ea typeface="Raleway" panose="020B0503030101060003"/>
+                <a:cs typeface="Raleway" panose="020B0503030101060003"/>
+                <a:sym typeface="Raleway" panose="020B0503030101060003"/>
               </a:defRPr>
             </a:lvl3pPr>
             <a:lvl4pPr lvl="3">
@@ -6350,16 +6258,16 @@
                 <a:schemeClr val="dk2"/>
               </a:buClr>
               <a:buSzPts val="3000"/>
-              <a:buFont typeface="Raleway"/>
+              <a:buFont typeface="Raleway" panose="020B0503030101060003"/>
               <a:buNone/>
               <a:defRPr sz="3000" b="1">
                 <a:solidFill>
                   <a:schemeClr val="dk2"/>
                 </a:solidFill>
-                <a:latin typeface="Raleway"/>
-                <a:ea typeface="Raleway"/>
-                <a:cs typeface="Raleway"/>
-                <a:sym typeface="Raleway"/>
+                <a:latin typeface="Raleway" panose="020B0503030101060003"/>
+                <a:ea typeface="Raleway" panose="020B0503030101060003"/>
+                <a:cs typeface="Raleway" panose="020B0503030101060003"/>
+                <a:sym typeface="Raleway" panose="020B0503030101060003"/>
               </a:defRPr>
             </a:lvl4pPr>
             <a:lvl5pPr lvl="4">
@@ -6373,16 +6281,16 @@
                 <a:schemeClr val="dk2"/>
               </a:buClr>
               <a:buSzPts val="3000"/>
-              <a:buFont typeface="Raleway"/>
+              <a:buFont typeface="Raleway" panose="020B0503030101060003"/>
               <a:buNone/>
               <a:defRPr sz="3000" b="1">
                 <a:solidFill>
                   <a:schemeClr val="dk2"/>
                 </a:solidFill>
-                <a:latin typeface="Raleway"/>
-                <a:ea typeface="Raleway"/>
-                <a:cs typeface="Raleway"/>
-                <a:sym typeface="Raleway"/>
+                <a:latin typeface="Raleway" panose="020B0503030101060003"/>
+                <a:ea typeface="Raleway" panose="020B0503030101060003"/>
+                <a:cs typeface="Raleway" panose="020B0503030101060003"/>
+                <a:sym typeface="Raleway" panose="020B0503030101060003"/>
               </a:defRPr>
             </a:lvl5pPr>
             <a:lvl6pPr lvl="5">
@@ -6396,16 +6304,16 @@
                 <a:schemeClr val="dk2"/>
               </a:buClr>
               <a:buSzPts val="3000"/>
-              <a:buFont typeface="Raleway"/>
+              <a:buFont typeface="Raleway" panose="020B0503030101060003"/>
               <a:buNone/>
               <a:defRPr sz="3000" b="1">
                 <a:solidFill>
                   <a:schemeClr val="dk2"/>
                 </a:solidFill>
-                <a:latin typeface="Raleway"/>
-                <a:ea typeface="Raleway"/>
-                <a:cs typeface="Raleway"/>
-                <a:sym typeface="Raleway"/>
+                <a:latin typeface="Raleway" panose="020B0503030101060003"/>
+                <a:ea typeface="Raleway" panose="020B0503030101060003"/>
+                <a:cs typeface="Raleway" panose="020B0503030101060003"/>
+                <a:sym typeface="Raleway" panose="020B0503030101060003"/>
               </a:defRPr>
             </a:lvl6pPr>
             <a:lvl7pPr lvl="6">
@@ -6419,16 +6327,16 @@
                 <a:schemeClr val="dk2"/>
               </a:buClr>
               <a:buSzPts val="3000"/>
-              <a:buFont typeface="Raleway"/>
+              <a:buFont typeface="Raleway" panose="020B0503030101060003"/>
               <a:buNone/>
               <a:defRPr sz="3000" b="1">
                 <a:solidFill>
                   <a:schemeClr val="dk2"/>
                 </a:solidFill>
-                <a:latin typeface="Raleway"/>
-                <a:ea typeface="Raleway"/>
-                <a:cs typeface="Raleway"/>
-                <a:sym typeface="Raleway"/>
+                <a:latin typeface="Raleway" panose="020B0503030101060003"/>
+                <a:ea typeface="Raleway" panose="020B0503030101060003"/>
+                <a:cs typeface="Raleway" panose="020B0503030101060003"/>
+                <a:sym typeface="Raleway" panose="020B0503030101060003"/>
               </a:defRPr>
             </a:lvl7pPr>
             <a:lvl8pPr lvl="7">
@@ -6442,16 +6350,16 @@
                 <a:schemeClr val="dk2"/>
               </a:buClr>
               <a:buSzPts val="3000"/>
-              <a:buFont typeface="Raleway"/>
+              <a:buFont typeface="Raleway" panose="020B0503030101060003"/>
               <a:buNone/>
               <a:defRPr sz="3000" b="1">
                 <a:solidFill>
                   <a:schemeClr val="dk2"/>
                 </a:solidFill>
-                <a:latin typeface="Raleway"/>
-                <a:ea typeface="Raleway"/>
-                <a:cs typeface="Raleway"/>
-                <a:sym typeface="Raleway"/>
+                <a:latin typeface="Raleway" panose="020B0503030101060003"/>
+                <a:ea typeface="Raleway" panose="020B0503030101060003"/>
+                <a:cs typeface="Raleway" panose="020B0503030101060003"/>
+                <a:sym typeface="Raleway" panose="020B0503030101060003"/>
               </a:defRPr>
             </a:lvl8pPr>
             <a:lvl9pPr lvl="8">
@@ -6465,22 +6373,20 @@
                 <a:schemeClr val="dk2"/>
               </a:buClr>
               <a:buSzPts val="3000"/>
-              <a:buFont typeface="Raleway"/>
+              <a:buFont typeface="Raleway" panose="020B0503030101060003"/>
               <a:buNone/>
               <a:defRPr sz="3000" b="1">
                 <a:solidFill>
                   <a:schemeClr val="dk2"/>
                 </a:solidFill>
-                <a:latin typeface="Raleway"/>
-                <a:ea typeface="Raleway"/>
-                <a:cs typeface="Raleway"/>
-                <a:sym typeface="Raleway"/>
+                <a:latin typeface="Raleway" panose="020B0503030101060003"/>
+                <a:ea typeface="Raleway" panose="020B0503030101060003"/>
+                <a:cs typeface="Raleway" panose="020B0503030101060003"/>
+                <a:sym typeface="Raleway" panose="020B0503030101060003"/>
               </a:defRPr>
             </a:lvl9pPr>
           </a:lstStyle>
-          <a:p>
-            <a:endParaRPr/>
-          </a:p>
+          <a:p/>
         </p:txBody>
       </p:sp>
       <p:sp>
@@ -6525,16 +6431,16 @@
                 <a:schemeClr val="dk2"/>
               </a:buClr>
               <a:buSzPts val="1800"/>
-              <a:buFont typeface="Lato"/>
+              <a:buFont typeface="Lato" panose="02010600030101010101"/>
               <a:buChar char="●"/>
               <a:defRPr sz="1800">
                 <a:solidFill>
                   <a:schemeClr val="dk2"/>
                 </a:solidFill>
-                <a:latin typeface="Lato"/>
-                <a:ea typeface="Lato"/>
-                <a:cs typeface="Lato"/>
-                <a:sym typeface="Lato"/>
+                <a:latin typeface="Lato" panose="02010600030101010101"/>
+                <a:ea typeface="Lato" panose="02010600030101010101"/>
+                <a:cs typeface="Lato" panose="02010600030101010101"/>
+                <a:sym typeface="Lato" panose="02010600030101010101"/>
               </a:defRPr>
             </a:lvl1pPr>
             <a:lvl2pPr marL="914400" lvl="1" indent="-317500">
@@ -6551,16 +6457,16 @@
                 <a:schemeClr val="dk2"/>
               </a:buClr>
               <a:buSzPts val="1400"/>
-              <a:buFont typeface="Lato"/>
+              <a:buFont typeface="Lato" panose="02010600030101010101"/>
               <a:buChar char="○"/>
               <a:defRPr>
                 <a:solidFill>
                   <a:schemeClr val="dk2"/>
                 </a:solidFill>
-                <a:latin typeface="Lato"/>
-                <a:ea typeface="Lato"/>
-                <a:cs typeface="Lato"/>
-                <a:sym typeface="Lato"/>
+                <a:latin typeface="Lato" panose="02010600030101010101"/>
+                <a:ea typeface="Lato" panose="02010600030101010101"/>
+                <a:cs typeface="Lato" panose="02010600030101010101"/>
+                <a:sym typeface="Lato" panose="02010600030101010101"/>
               </a:defRPr>
             </a:lvl2pPr>
             <a:lvl3pPr marL="1371600" lvl="2" indent="-317500">
@@ -6577,16 +6483,16 @@
                 <a:schemeClr val="dk2"/>
               </a:buClr>
               <a:buSzPts val="1400"/>
-              <a:buFont typeface="Lato"/>
+              <a:buFont typeface="Lato" panose="02010600030101010101"/>
               <a:buChar char="■"/>
               <a:defRPr>
                 <a:solidFill>
                   <a:schemeClr val="dk2"/>
                 </a:solidFill>
-                <a:latin typeface="Lato"/>
-                <a:ea typeface="Lato"/>
-                <a:cs typeface="Lato"/>
-                <a:sym typeface="Lato"/>
+                <a:latin typeface="Lato" panose="02010600030101010101"/>
+                <a:ea typeface="Lato" panose="02010600030101010101"/>
+                <a:cs typeface="Lato" panose="02010600030101010101"/>
+                <a:sym typeface="Lato" panose="02010600030101010101"/>
               </a:defRPr>
             </a:lvl3pPr>
             <a:lvl4pPr marL="1828800" lvl="3" indent="-317500">
@@ -6603,16 +6509,16 @@
                 <a:schemeClr val="dk2"/>
               </a:buClr>
               <a:buSzPts val="1400"/>
-              <a:buFont typeface="Lato"/>
+              <a:buFont typeface="Lato" panose="02010600030101010101"/>
               <a:buChar char="●"/>
               <a:defRPr>
                 <a:solidFill>
                   <a:schemeClr val="dk2"/>
                 </a:solidFill>
-                <a:latin typeface="Lato"/>
-                <a:ea typeface="Lato"/>
-                <a:cs typeface="Lato"/>
-                <a:sym typeface="Lato"/>
+                <a:latin typeface="Lato" panose="02010600030101010101"/>
+                <a:ea typeface="Lato" panose="02010600030101010101"/>
+                <a:cs typeface="Lato" panose="02010600030101010101"/>
+                <a:sym typeface="Lato" panose="02010600030101010101"/>
               </a:defRPr>
             </a:lvl4pPr>
             <a:lvl5pPr marL="2286000" lvl="4" indent="-317500">
@@ -6629,16 +6535,16 @@
                 <a:schemeClr val="dk2"/>
               </a:buClr>
               <a:buSzPts val="1400"/>
-              <a:buFont typeface="Lato"/>
+              <a:buFont typeface="Lato" panose="02010600030101010101"/>
               <a:buChar char="○"/>
               <a:defRPr>
                 <a:solidFill>
                   <a:schemeClr val="dk2"/>
                 </a:solidFill>
-                <a:latin typeface="Lato"/>
-                <a:ea typeface="Lato"/>
-                <a:cs typeface="Lato"/>
-                <a:sym typeface="Lato"/>
+                <a:latin typeface="Lato" panose="02010600030101010101"/>
+                <a:ea typeface="Lato" panose="02010600030101010101"/>
+                <a:cs typeface="Lato" panose="02010600030101010101"/>
+                <a:sym typeface="Lato" panose="02010600030101010101"/>
               </a:defRPr>
             </a:lvl5pPr>
             <a:lvl6pPr marL="2743200" lvl="5" indent="-317500">
@@ -6655,16 +6561,16 @@
                 <a:schemeClr val="dk2"/>
               </a:buClr>
               <a:buSzPts val="1400"/>
-              <a:buFont typeface="Lato"/>
+              <a:buFont typeface="Lato" panose="02010600030101010101"/>
               <a:buChar char="■"/>
               <a:defRPr>
                 <a:solidFill>
                   <a:schemeClr val="dk2"/>
                 </a:solidFill>
-                <a:latin typeface="Lato"/>
-                <a:ea typeface="Lato"/>
-                <a:cs typeface="Lato"/>
-                <a:sym typeface="Lato"/>
+                <a:latin typeface="Lato" panose="02010600030101010101"/>
+                <a:ea typeface="Lato" panose="02010600030101010101"/>
+                <a:cs typeface="Lato" panose="02010600030101010101"/>
+                <a:sym typeface="Lato" panose="02010600030101010101"/>
               </a:defRPr>
             </a:lvl6pPr>
             <a:lvl7pPr marL="3200400" lvl="6" indent="-317500">
@@ -6681,16 +6587,16 @@
                 <a:schemeClr val="dk2"/>
               </a:buClr>
               <a:buSzPts val="1400"/>
-              <a:buFont typeface="Lato"/>
+              <a:buFont typeface="Lato" panose="02010600030101010101"/>
               <a:buChar char="●"/>
               <a:defRPr>
                 <a:solidFill>
                   <a:schemeClr val="dk2"/>
                 </a:solidFill>
-                <a:latin typeface="Lato"/>
-                <a:ea typeface="Lato"/>
-                <a:cs typeface="Lato"/>
-                <a:sym typeface="Lato"/>
+                <a:latin typeface="Lato" panose="02010600030101010101"/>
+                <a:ea typeface="Lato" panose="02010600030101010101"/>
+                <a:cs typeface="Lato" panose="02010600030101010101"/>
+                <a:sym typeface="Lato" panose="02010600030101010101"/>
               </a:defRPr>
             </a:lvl7pPr>
             <a:lvl8pPr marL="3657600" lvl="7" indent="-317500">
@@ -6707,16 +6613,16 @@
                 <a:schemeClr val="dk2"/>
               </a:buClr>
               <a:buSzPts val="1400"/>
-              <a:buFont typeface="Lato"/>
+              <a:buFont typeface="Lato" panose="02010600030101010101"/>
               <a:buChar char="○"/>
               <a:defRPr>
                 <a:solidFill>
                   <a:schemeClr val="dk2"/>
                 </a:solidFill>
-                <a:latin typeface="Lato"/>
-                <a:ea typeface="Lato"/>
-                <a:cs typeface="Lato"/>
-                <a:sym typeface="Lato"/>
+                <a:latin typeface="Lato" panose="02010600030101010101"/>
+                <a:ea typeface="Lato" panose="02010600030101010101"/>
+                <a:cs typeface="Lato" panose="02010600030101010101"/>
+                <a:sym typeface="Lato" panose="02010600030101010101"/>
               </a:defRPr>
             </a:lvl8pPr>
             <a:lvl9pPr marL="4114800" lvl="8" indent="-317500">
@@ -6733,22 +6639,20 @@
                 <a:schemeClr val="dk2"/>
               </a:buClr>
               <a:buSzPts val="1400"/>
-              <a:buFont typeface="Lato"/>
+              <a:buFont typeface="Lato" panose="02010600030101010101"/>
               <a:buChar char="■"/>
               <a:defRPr>
                 <a:solidFill>
                   <a:schemeClr val="dk2"/>
                 </a:solidFill>
-                <a:latin typeface="Lato"/>
-                <a:ea typeface="Lato"/>
-                <a:cs typeface="Lato"/>
-                <a:sym typeface="Lato"/>
+                <a:latin typeface="Lato" panose="02010600030101010101"/>
+                <a:ea typeface="Lato" panose="02010600030101010101"/>
+                <a:cs typeface="Lato" panose="02010600030101010101"/>
+                <a:sym typeface="Lato" panose="02010600030101010101"/>
               </a:defRPr>
             </a:lvl9pPr>
           </a:lstStyle>
-          <a:p>
-            <a:endParaRPr/>
-          </a:p>
+          <a:p/>
         </p:txBody>
       </p:sp>
       <p:sp>
@@ -6785,10 +6689,10 @@
                 <a:solidFill>
                   <a:schemeClr val="dk2"/>
                 </a:solidFill>
-                <a:latin typeface="Lato"/>
-                <a:ea typeface="Lato"/>
-                <a:cs typeface="Lato"/>
-                <a:sym typeface="Lato"/>
+                <a:latin typeface="Lato" panose="02010600030101010101"/>
+                <a:ea typeface="Lato" panose="02010600030101010101"/>
+                <a:cs typeface="Lato" panose="02010600030101010101"/>
+                <a:sym typeface="Lato" panose="02010600030101010101"/>
               </a:defRPr>
             </a:lvl1pPr>
             <a:lvl2pPr lvl="1" algn="r">
@@ -6797,10 +6701,10 @@
                 <a:solidFill>
                   <a:schemeClr val="dk2"/>
                 </a:solidFill>
-                <a:latin typeface="Lato"/>
-                <a:ea typeface="Lato"/>
-                <a:cs typeface="Lato"/>
-                <a:sym typeface="Lato"/>
+                <a:latin typeface="Lato" panose="02010600030101010101"/>
+                <a:ea typeface="Lato" panose="02010600030101010101"/>
+                <a:cs typeface="Lato" panose="02010600030101010101"/>
+                <a:sym typeface="Lato" panose="02010600030101010101"/>
               </a:defRPr>
             </a:lvl2pPr>
             <a:lvl3pPr lvl="2" algn="r">
@@ -6809,10 +6713,10 @@
                 <a:solidFill>
                   <a:schemeClr val="dk2"/>
                 </a:solidFill>
-                <a:latin typeface="Lato"/>
-                <a:ea typeface="Lato"/>
-                <a:cs typeface="Lato"/>
-                <a:sym typeface="Lato"/>
+                <a:latin typeface="Lato" panose="02010600030101010101"/>
+                <a:ea typeface="Lato" panose="02010600030101010101"/>
+                <a:cs typeface="Lato" panose="02010600030101010101"/>
+                <a:sym typeface="Lato" panose="02010600030101010101"/>
               </a:defRPr>
             </a:lvl3pPr>
             <a:lvl4pPr lvl="3" algn="r">
@@ -6821,10 +6725,10 @@
                 <a:solidFill>
                   <a:schemeClr val="dk2"/>
                 </a:solidFill>
-                <a:latin typeface="Lato"/>
-                <a:ea typeface="Lato"/>
-                <a:cs typeface="Lato"/>
-                <a:sym typeface="Lato"/>
+                <a:latin typeface="Lato" panose="02010600030101010101"/>
+                <a:ea typeface="Lato" panose="02010600030101010101"/>
+                <a:cs typeface="Lato" panose="02010600030101010101"/>
+                <a:sym typeface="Lato" panose="02010600030101010101"/>
               </a:defRPr>
             </a:lvl4pPr>
             <a:lvl5pPr lvl="4" algn="r">
@@ -6833,10 +6737,10 @@
                 <a:solidFill>
                   <a:schemeClr val="dk2"/>
                 </a:solidFill>
-                <a:latin typeface="Lato"/>
-                <a:ea typeface="Lato"/>
-                <a:cs typeface="Lato"/>
-                <a:sym typeface="Lato"/>
+                <a:latin typeface="Lato" panose="02010600030101010101"/>
+                <a:ea typeface="Lato" panose="02010600030101010101"/>
+                <a:cs typeface="Lato" panose="02010600030101010101"/>
+                <a:sym typeface="Lato" panose="02010600030101010101"/>
               </a:defRPr>
             </a:lvl5pPr>
             <a:lvl6pPr lvl="5" algn="r">
@@ -6845,10 +6749,10 @@
                 <a:solidFill>
                   <a:schemeClr val="dk2"/>
                 </a:solidFill>
-                <a:latin typeface="Lato"/>
-                <a:ea typeface="Lato"/>
-                <a:cs typeface="Lato"/>
-                <a:sym typeface="Lato"/>
+                <a:latin typeface="Lato" panose="02010600030101010101"/>
+                <a:ea typeface="Lato" panose="02010600030101010101"/>
+                <a:cs typeface="Lato" panose="02010600030101010101"/>
+                <a:sym typeface="Lato" panose="02010600030101010101"/>
               </a:defRPr>
             </a:lvl6pPr>
             <a:lvl7pPr lvl="6" algn="r">
@@ -6857,10 +6761,10 @@
                 <a:solidFill>
                   <a:schemeClr val="dk2"/>
                 </a:solidFill>
-                <a:latin typeface="Lato"/>
-                <a:ea typeface="Lato"/>
-                <a:cs typeface="Lato"/>
-                <a:sym typeface="Lato"/>
+                <a:latin typeface="Lato" panose="02010600030101010101"/>
+                <a:ea typeface="Lato" panose="02010600030101010101"/>
+                <a:cs typeface="Lato" panose="02010600030101010101"/>
+                <a:sym typeface="Lato" panose="02010600030101010101"/>
               </a:defRPr>
             </a:lvl7pPr>
             <a:lvl8pPr lvl="7" algn="r">
@@ -6869,10 +6773,10 @@
                 <a:solidFill>
                   <a:schemeClr val="dk2"/>
                 </a:solidFill>
-                <a:latin typeface="Lato"/>
-                <a:ea typeface="Lato"/>
-                <a:cs typeface="Lato"/>
-                <a:sym typeface="Lato"/>
+                <a:latin typeface="Lato" panose="02010600030101010101"/>
+                <a:ea typeface="Lato" panose="02010600030101010101"/>
+                <a:cs typeface="Lato" panose="02010600030101010101"/>
+                <a:sym typeface="Lato" panose="02010600030101010101"/>
               </a:defRPr>
             </a:lvl8pPr>
             <a:lvl9pPr lvl="8" algn="r">
@@ -6881,10 +6785,10 @@
                 <a:solidFill>
                   <a:schemeClr val="dk2"/>
                 </a:solidFill>
-                <a:latin typeface="Lato"/>
-                <a:ea typeface="Lato"/>
-                <a:cs typeface="Lato"/>
-                <a:sym typeface="Lato"/>
+                <a:latin typeface="Lato" panose="02010600030101010101"/>
+                <a:ea typeface="Lato" panose="02010600030101010101"/>
+                <a:cs typeface="Lato" panose="02010600030101010101"/>
+                <a:sym typeface="Lato" panose="02010600030101010101"/>
               </a:defRPr>
             </a:lvl9pPr>
           </a:lstStyle>
@@ -6899,10 +6803,9 @@
               <a:buNone/>
             </a:pPr>
             <a:fld id="{00000000-1234-1234-1234-123412341234}" type="slidenum">
-              <a:rPr lang="en"/>
-              <a:t>‹#›</a:t>
+              <a:rPr lang="en-GB"/>
             </a:fld>
-            <a:endParaRPr/>
+            <a:endParaRPr lang="en-GB"/>
           </a:p>
         </p:txBody>
       </p:sp>
@@ -6910,13 +6813,13 @@
   </p:cSld>
   <p:clrMap bg1="lt1" tx1="dk1" bg2="dk2" tx2="lt2" accent1="accent1" accent2="accent2" accent3="accent3" accent4="accent4" accent5="accent5" accent6="accent6" hlink="hlink" folHlink="folHlink"/>
   <p:sldLayoutIdLst>
-    <p:sldLayoutId id="2147483648" r:id="rId1"/>
-    <p:sldLayoutId id="2147483649" r:id="rId2"/>
-    <p:sldLayoutId id="2147483650" r:id="rId3"/>
-    <p:sldLayoutId id="2147483651" r:id="rId4"/>
-    <p:sldLayoutId id="2147483652" r:id="rId5"/>
-    <p:sldLayoutId id="2147483653" r:id="rId6"/>
-    <p:sldLayoutId id="2147483654" r:id="rId7"/>
+    <p:sldLayoutId id="2147483649" r:id="rId1"/>
+    <p:sldLayoutId id="2147483650" r:id="rId2"/>
+    <p:sldLayoutId id="2147483651" r:id="rId3"/>
+    <p:sldLayoutId id="2147483652" r:id="rId4"/>
+    <p:sldLayoutId id="2147483653" r:id="rId5"/>
+    <p:sldLayoutId id="2147483654" r:id="rId6"/>
+    <p:sldLayoutId id="2147483655" r:id="rId7"/>
     <p:sldLayoutId id="2147483656" r:id="rId8"/>
     <p:sldLayoutId id="2147483657" r:id="rId9"/>
   </p:sldLayoutIdLst>
@@ -6947,15 +6850,15 @@
         <a:buClr>
           <a:srgbClr val="000000"/>
         </a:buClr>
-        <a:buFont typeface="Arial"/>
+        <a:buFont typeface="Arial" panose="020B0604020202020204"/>
         <a:defRPr sz="1400" b="0" i="0" u="none" strike="noStrike" cap="none">
           <a:solidFill>
             <a:srgbClr val="000000"/>
           </a:solidFill>
-          <a:latin typeface="Arial"/>
-          <a:ea typeface="Arial"/>
-          <a:cs typeface="Arial"/>
-          <a:sym typeface="Arial"/>
+          <a:latin typeface="Arial" panose="020B0604020202020204"/>
+          <a:ea typeface="Arial" panose="020B0604020202020204"/>
+          <a:cs typeface="Arial" panose="020B0604020202020204"/>
+          <a:sym typeface="Arial" panose="020B0604020202020204"/>
         </a:defRPr>
       </a:lvl1pPr>
       <a:lvl2pPr marR="0" lvl="1" algn="l" rtl="0">
@@ -6971,15 +6874,15 @@
         <a:buClr>
           <a:srgbClr val="000000"/>
         </a:buClr>
-        <a:buFont typeface="Arial"/>
+        <a:buFont typeface="Arial" panose="020B0604020202020204"/>
         <a:defRPr sz="1400" b="0" i="0" u="none" strike="noStrike" cap="none">
           <a:solidFill>
             <a:srgbClr val="000000"/>
           </a:solidFill>
-          <a:latin typeface="Arial"/>
-          <a:ea typeface="Arial"/>
-          <a:cs typeface="Arial"/>
-          <a:sym typeface="Arial"/>
+          <a:latin typeface="Arial" panose="020B0604020202020204"/>
+          <a:ea typeface="Arial" panose="020B0604020202020204"/>
+          <a:cs typeface="Arial" panose="020B0604020202020204"/>
+          <a:sym typeface="Arial" panose="020B0604020202020204"/>
         </a:defRPr>
       </a:lvl2pPr>
       <a:lvl3pPr marR="0" lvl="2" algn="l" rtl="0">
@@ -6995,15 +6898,15 @@
         <a:buClr>
           <a:srgbClr val="000000"/>
         </a:buClr>
-        <a:buFont typeface="Arial"/>
+        <a:buFont typeface="Arial" panose="020B0604020202020204"/>
         <a:defRPr sz="1400" b="0" i="0" u="none" strike="noStrike" cap="none">
           <a:solidFill>
             <a:srgbClr val="000000"/>
           </a:solidFill>
-          <a:latin typeface="Arial"/>
-          <a:ea typeface="Arial"/>
-          <a:cs typeface="Arial"/>
-          <a:sym typeface="Arial"/>
+          <a:latin typeface="Arial" panose="020B0604020202020204"/>
+          <a:ea typeface="Arial" panose="020B0604020202020204"/>
+          <a:cs typeface="Arial" panose="020B0604020202020204"/>
+          <a:sym typeface="Arial" panose="020B0604020202020204"/>
         </a:defRPr>
       </a:lvl3pPr>
       <a:lvl4pPr marR="0" lvl="3" algn="l" rtl="0">
@@ -7019,15 +6922,15 @@
         <a:buClr>
           <a:srgbClr val="000000"/>
         </a:buClr>
-        <a:buFont typeface="Arial"/>
+        <a:buFont typeface="Arial" panose="020B0604020202020204"/>
         <a:defRPr sz="1400" b="0" i="0" u="none" strike="noStrike" cap="none">
           <a:solidFill>
             <a:srgbClr val="000000"/>
           </a:solidFill>
-          <a:latin typeface="Arial"/>
-          <a:ea typeface="Arial"/>
-          <a:cs typeface="Arial"/>
-          <a:sym typeface="Arial"/>
+          <a:latin typeface="Arial" panose="020B0604020202020204"/>
+          <a:ea typeface="Arial" panose="020B0604020202020204"/>
+          <a:cs typeface="Arial" panose="020B0604020202020204"/>
+          <a:sym typeface="Arial" panose="020B0604020202020204"/>
         </a:defRPr>
       </a:lvl4pPr>
       <a:lvl5pPr marR="0" lvl="4" algn="l" rtl="0">
@@ -7043,15 +6946,15 @@
         <a:buClr>
           <a:srgbClr val="000000"/>
         </a:buClr>
-        <a:buFont typeface="Arial"/>
+        <a:buFont typeface="Arial" panose="020B0604020202020204"/>
         <a:defRPr sz="1400" b="0" i="0" u="none" strike="noStrike" cap="none">
           <a:solidFill>
             <a:srgbClr val="000000"/>
           </a:solidFill>
-          <a:latin typeface="Arial"/>
-          <a:ea typeface="Arial"/>
-          <a:cs typeface="Arial"/>
-          <a:sym typeface="Arial"/>
+          <a:latin typeface="Arial" panose="020B0604020202020204"/>
+          <a:ea typeface="Arial" panose="020B0604020202020204"/>
+          <a:cs typeface="Arial" panose="020B0604020202020204"/>
+          <a:sym typeface="Arial" panose="020B0604020202020204"/>
         </a:defRPr>
       </a:lvl5pPr>
       <a:lvl6pPr marR="0" lvl="5" algn="l" rtl="0">
@@ -7067,15 +6970,15 @@
         <a:buClr>
           <a:srgbClr val="000000"/>
         </a:buClr>
-        <a:buFont typeface="Arial"/>
+        <a:buFont typeface="Arial" panose="020B0604020202020204"/>
         <a:defRPr sz="1400" b="0" i="0" u="none" strike="noStrike" cap="none">
           <a:solidFill>
             <a:srgbClr val="000000"/>
           </a:solidFill>
-          <a:latin typeface="Arial"/>
-          <a:ea typeface="Arial"/>
-          <a:cs typeface="Arial"/>
-          <a:sym typeface="Arial"/>
+          <a:latin typeface="Arial" panose="020B0604020202020204"/>
+          <a:ea typeface="Arial" panose="020B0604020202020204"/>
+          <a:cs typeface="Arial" panose="020B0604020202020204"/>
+          <a:sym typeface="Arial" panose="020B0604020202020204"/>
         </a:defRPr>
       </a:lvl6pPr>
       <a:lvl7pPr marR="0" lvl="6" algn="l" rtl="0">
@@ -7091,15 +6994,15 @@
         <a:buClr>
           <a:srgbClr val="000000"/>
         </a:buClr>
-        <a:buFont typeface="Arial"/>
+        <a:buFont typeface="Arial" panose="020B0604020202020204"/>
         <a:defRPr sz="1400" b="0" i="0" u="none" strike="noStrike" cap="none">
           <a:solidFill>
             <a:srgbClr val="000000"/>
           </a:solidFill>
-          <a:latin typeface="Arial"/>
-          <a:ea typeface="Arial"/>
-          <a:cs typeface="Arial"/>
-          <a:sym typeface="Arial"/>
+          <a:latin typeface="Arial" panose="020B0604020202020204"/>
+          <a:ea typeface="Arial" panose="020B0604020202020204"/>
+          <a:cs typeface="Arial" panose="020B0604020202020204"/>
+          <a:sym typeface="Arial" panose="020B0604020202020204"/>
         </a:defRPr>
       </a:lvl7pPr>
       <a:lvl8pPr marR="0" lvl="7" algn="l" rtl="0">
@@ -7115,15 +7018,15 @@
         <a:buClr>
           <a:srgbClr val="000000"/>
         </a:buClr>
-        <a:buFont typeface="Arial"/>
+        <a:buFont typeface="Arial" panose="020B0604020202020204"/>
         <a:defRPr sz="1400" b="0" i="0" u="none" strike="noStrike" cap="none">
           <a:solidFill>
             <a:srgbClr val="000000"/>
           </a:solidFill>
-          <a:latin typeface="Arial"/>
-          <a:ea typeface="Arial"/>
-          <a:cs typeface="Arial"/>
-          <a:sym typeface="Arial"/>
+          <a:latin typeface="Arial" panose="020B0604020202020204"/>
+          <a:ea typeface="Arial" panose="020B0604020202020204"/>
+          <a:cs typeface="Arial" panose="020B0604020202020204"/>
+          <a:sym typeface="Arial" panose="020B0604020202020204"/>
         </a:defRPr>
       </a:lvl8pPr>
       <a:lvl9pPr marR="0" lvl="8" algn="l" rtl="0">
@@ -7139,15 +7042,15 @@
         <a:buClr>
           <a:srgbClr val="000000"/>
         </a:buClr>
-        <a:buFont typeface="Arial"/>
+        <a:buFont typeface="Arial" panose="020B0604020202020204"/>
         <a:defRPr sz="1400" b="0" i="0" u="none" strike="noStrike" cap="none">
           <a:solidFill>
             <a:srgbClr val="000000"/>
           </a:solidFill>
-          <a:latin typeface="Arial"/>
-          <a:ea typeface="Arial"/>
-          <a:cs typeface="Arial"/>
-          <a:sym typeface="Arial"/>
+          <a:latin typeface="Arial" panose="020B0604020202020204"/>
+          <a:ea typeface="Arial" panose="020B0604020202020204"/>
+          <a:cs typeface="Arial" panose="020B0604020202020204"/>
+          <a:sym typeface="Arial" panose="020B0604020202020204"/>
         </a:defRPr>
       </a:lvl9pPr>
     </p:titleStyle>
@@ -7176,15 +7079,15 @@
         <a:buClr>
           <a:srgbClr val="000000"/>
         </a:buClr>
-        <a:buFont typeface="Arial"/>
+        <a:buFont typeface="Arial" panose="020B0604020202020204"/>
         <a:defRPr sz="1400" b="0" i="0" u="none" strike="noStrike" cap="none">
           <a:solidFill>
             <a:srgbClr val="000000"/>
           </a:solidFill>
-          <a:latin typeface="Arial"/>
-          <a:ea typeface="Arial"/>
-          <a:cs typeface="Arial"/>
-          <a:sym typeface="Arial"/>
+          <a:latin typeface="Arial" panose="020B0604020202020204"/>
+          <a:ea typeface="Arial" panose="020B0604020202020204"/>
+          <a:cs typeface="Arial" panose="020B0604020202020204"/>
+          <a:sym typeface="Arial" panose="020B0604020202020204"/>
         </a:defRPr>
       </a:lvl1pPr>
       <a:lvl2pPr marR="0" lvl="1" algn="l" rtl="0">
@@ -7200,15 +7103,15 @@
         <a:buClr>
           <a:srgbClr val="000000"/>
         </a:buClr>
-        <a:buFont typeface="Arial"/>
+        <a:buFont typeface="Arial" panose="020B0604020202020204"/>
         <a:defRPr sz="1400" b="0" i="0" u="none" strike="noStrike" cap="none">
           <a:solidFill>
             <a:srgbClr val="000000"/>
           </a:solidFill>
-          <a:latin typeface="Arial"/>
-          <a:ea typeface="Arial"/>
-          <a:cs typeface="Arial"/>
-          <a:sym typeface="Arial"/>
+          <a:latin typeface="Arial" panose="020B0604020202020204"/>
+          <a:ea typeface="Arial" panose="020B0604020202020204"/>
+          <a:cs typeface="Arial" panose="020B0604020202020204"/>
+          <a:sym typeface="Arial" panose="020B0604020202020204"/>
         </a:defRPr>
       </a:lvl2pPr>
       <a:lvl3pPr marR="0" lvl="2" algn="l" rtl="0">
@@ -7224,15 +7127,15 @@
         <a:buClr>
           <a:srgbClr val="000000"/>
         </a:buClr>
-        <a:buFont typeface="Arial"/>
+        <a:buFont typeface="Arial" panose="020B0604020202020204"/>
         <a:defRPr sz="1400" b="0" i="0" u="none" strike="noStrike" cap="none">
           <a:solidFill>
             <a:srgbClr val="000000"/>
           </a:solidFill>
-          <a:latin typeface="Arial"/>
-          <a:ea typeface="Arial"/>
-          <a:cs typeface="Arial"/>
-          <a:sym typeface="Arial"/>
+          <a:latin typeface="Arial" panose="020B0604020202020204"/>
+          <a:ea typeface="Arial" panose="020B0604020202020204"/>
+          <a:cs typeface="Arial" panose="020B0604020202020204"/>
+          <a:sym typeface="Arial" panose="020B0604020202020204"/>
         </a:defRPr>
       </a:lvl3pPr>
       <a:lvl4pPr marR="0" lvl="3" algn="l" rtl="0">
@@ -7248,15 +7151,15 @@
         <a:buClr>
           <a:srgbClr val="000000"/>
         </a:buClr>
-        <a:buFont typeface="Arial"/>
+        <a:buFont typeface="Arial" panose="020B0604020202020204"/>
         <a:defRPr sz="1400" b="0" i="0" u="none" strike="noStrike" cap="none">
           <a:solidFill>
             <a:srgbClr val="000000"/>
           </a:solidFill>
-          <a:latin typeface="Arial"/>
-          <a:ea typeface="Arial"/>
-          <a:cs typeface="Arial"/>
-          <a:sym typeface="Arial"/>
+          <a:latin typeface="Arial" panose="020B0604020202020204"/>
+          <a:ea typeface="Arial" panose="020B0604020202020204"/>
+          <a:cs typeface="Arial" panose="020B0604020202020204"/>
+          <a:sym typeface="Arial" panose="020B0604020202020204"/>
         </a:defRPr>
       </a:lvl4pPr>
       <a:lvl5pPr marR="0" lvl="4" algn="l" rtl="0">
@@ -7272,15 +7175,15 @@
         <a:buClr>
           <a:srgbClr val="000000"/>
         </a:buClr>
-        <a:buFont typeface="Arial"/>
+        <a:buFont typeface="Arial" panose="020B0604020202020204"/>
         <a:defRPr sz="1400" b="0" i="0" u="none" strike="noStrike" cap="none">
           <a:solidFill>
             <a:srgbClr val="000000"/>
           </a:solidFill>
-          <a:latin typeface="Arial"/>
-          <a:ea typeface="Arial"/>
-          <a:cs typeface="Arial"/>
-          <a:sym typeface="Arial"/>
+          <a:latin typeface="Arial" panose="020B0604020202020204"/>
+          <a:ea typeface="Arial" panose="020B0604020202020204"/>
+          <a:cs typeface="Arial" panose="020B0604020202020204"/>
+          <a:sym typeface="Arial" panose="020B0604020202020204"/>
         </a:defRPr>
       </a:lvl5pPr>
       <a:lvl6pPr marR="0" lvl="5" algn="l" rtl="0">
@@ -7296,15 +7199,15 @@
         <a:buClr>
           <a:srgbClr val="000000"/>
         </a:buClr>
-        <a:buFont typeface="Arial"/>
+        <a:buFont typeface="Arial" panose="020B0604020202020204"/>
         <a:defRPr sz="1400" b="0" i="0" u="none" strike="noStrike" cap="none">
           <a:solidFill>
             <a:srgbClr val="000000"/>
           </a:solidFill>
-          <a:latin typeface="Arial"/>
-          <a:ea typeface="Arial"/>
-          <a:cs typeface="Arial"/>
-          <a:sym typeface="Arial"/>
+          <a:latin typeface="Arial" panose="020B0604020202020204"/>
+          <a:ea typeface="Arial" panose="020B0604020202020204"/>
+          <a:cs typeface="Arial" panose="020B0604020202020204"/>
+          <a:sym typeface="Arial" panose="020B0604020202020204"/>
         </a:defRPr>
       </a:lvl6pPr>
       <a:lvl7pPr marR="0" lvl="6" algn="l" rtl="0">
@@ -7320,15 +7223,15 @@
         <a:buClr>
           <a:srgbClr val="000000"/>
         </a:buClr>
-        <a:buFont typeface="Arial"/>
+        <a:buFont typeface="Arial" panose="020B0604020202020204"/>
         <a:defRPr sz="1400" b="0" i="0" u="none" strike="noStrike" cap="none">
           <a:solidFill>
             <a:srgbClr val="000000"/>
           </a:solidFill>
-          <a:latin typeface="Arial"/>
-          <a:ea typeface="Arial"/>
-          <a:cs typeface="Arial"/>
-          <a:sym typeface="Arial"/>
+          <a:latin typeface="Arial" panose="020B0604020202020204"/>
+          <a:ea typeface="Arial" panose="020B0604020202020204"/>
+          <a:cs typeface="Arial" panose="020B0604020202020204"/>
+          <a:sym typeface="Arial" panose="020B0604020202020204"/>
         </a:defRPr>
       </a:lvl7pPr>
       <a:lvl8pPr marR="0" lvl="7" algn="l" rtl="0">
@@ -7344,15 +7247,15 @@
         <a:buClr>
           <a:srgbClr val="000000"/>
         </a:buClr>
-        <a:buFont typeface="Arial"/>
+        <a:buFont typeface="Arial" panose="020B0604020202020204"/>
         <a:defRPr sz="1400" b="0" i="0" u="none" strike="noStrike" cap="none">
           <a:solidFill>
             <a:srgbClr val="000000"/>
           </a:solidFill>
-          <a:latin typeface="Arial"/>
-          <a:ea typeface="Arial"/>
-          <a:cs typeface="Arial"/>
-          <a:sym typeface="Arial"/>
+          <a:latin typeface="Arial" panose="020B0604020202020204"/>
+          <a:ea typeface="Arial" panose="020B0604020202020204"/>
+          <a:cs typeface="Arial" panose="020B0604020202020204"/>
+          <a:sym typeface="Arial" panose="020B0604020202020204"/>
         </a:defRPr>
       </a:lvl8pPr>
       <a:lvl9pPr marR="0" lvl="8" algn="l" rtl="0">
@@ -7368,15 +7271,15 @@
         <a:buClr>
           <a:srgbClr val="000000"/>
         </a:buClr>
-        <a:buFont typeface="Arial"/>
+        <a:buFont typeface="Arial" panose="020B0604020202020204"/>
         <a:defRPr sz="1400" b="0" i="0" u="none" strike="noStrike" cap="none">
           <a:solidFill>
             <a:srgbClr val="000000"/>
           </a:solidFill>
-          <a:latin typeface="Arial"/>
-          <a:ea typeface="Arial"/>
-          <a:cs typeface="Arial"/>
-          <a:sym typeface="Arial"/>
+          <a:latin typeface="Arial" panose="020B0604020202020204"/>
+          <a:ea typeface="Arial" panose="020B0604020202020204"/>
+          <a:cs typeface="Arial" panose="020B0604020202020204"/>
+          <a:sym typeface="Arial" panose="020B0604020202020204"/>
         </a:defRPr>
       </a:lvl9pPr>
     </p:bodyStyle>
@@ -7405,15 +7308,15 @@
         <a:buClr>
           <a:srgbClr val="000000"/>
         </a:buClr>
-        <a:buFont typeface="Arial"/>
+        <a:buFont typeface="Arial" panose="020B0604020202020204"/>
         <a:defRPr sz="1400" b="0" i="0" u="none" strike="noStrike" cap="none">
           <a:solidFill>
             <a:srgbClr val="000000"/>
           </a:solidFill>
-          <a:latin typeface="Arial"/>
-          <a:ea typeface="Arial"/>
-          <a:cs typeface="Arial"/>
-          <a:sym typeface="Arial"/>
+          <a:latin typeface="Arial" panose="020B0604020202020204"/>
+          <a:ea typeface="Arial" panose="020B0604020202020204"/>
+          <a:cs typeface="Arial" panose="020B0604020202020204"/>
+          <a:sym typeface="Arial" panose="020B0604020202020204"/>
         </a:defRPr>
       </a:lvl1pPr>
       <a:lvl2pPr marR="0" lvl="1" algn="l" rtl="0">
@@ -7429,15 +7332,15 @@
         <a:buClr>
           <a:srgbClr val="000000"/>
         </a:buClr>
-        <a:buFont typeface="Arial"/>
+        <a:buFont typeface="Arial" panose="020B0604020202020204"/>
         <a:defRPr sz="1400" b="0" i="0" u="none" strike="noStrike" cap="none">
           <a:solidFill>
             <a:srgbClr val="000000"/>
           </a:solidFill>
-          <a:latin typeface="Arial"/>
-          <a:ea typeface="Arial"/>
-          <a:cs typeface="Arial"/>
-          <a:sym typeface="Arial"/>
+          <a:latin typeface="Arial" panose="020B0604020202020204"/>
+          <a:ea typeface="Arial" panose="020B0604020202020204"/>
+          <a:cs typeface="Arial" panose="020B0604020202020204"/>
+          <a:sym typeface="Arial" panose="020B0604020202020204"/>
         </a:defRPr>
       </a:lvl2pPr>
       <a:lvl3pPr marR="0" lvl="2" algn="l" rtl="0">
@@ -7453,15 +7356,15 @@
         <a:buClr>
           <a:srgbClr val="000000"/>
         </a:buClr>
-        <a:buFont typeface="Arial"/>
+        <a:buFont typeface="Arial" panose="020B0604020202020204"/>
         <a:defRPr sz="1400" b="0" i="0" u="none" strike="noStrike" cap="none">
           <a:solidFill>
             <a:srgbClr val="000000"/>
           </a:solidFill>
-          <a:latin typeface="Arial"/>
-          <a:ea typeface="Arial"/>
-          <a:cs typeface="Arial"/>
-          <a:sym typeface="Arial"/>
+          <a:latin typeface="Arial" panose="020B0604020202020204"/>
+          <a:ea typeface="Arial" panose="020B0604020202020204"/>
+          <a:cs typeface="Arial" panose="020B0604020202020204"/>
+          <a:sym typeface="Arial" panose="020B0604020202020204"/>
         </a:defRPr>
       </a:lvl3pPr>
       <a:lvl4pPr marR="0" lvl="3" algn="l" rtl="0">
@@ -7477,15 +7380,15 @@
         <a:buClr>
           <a:srgbClr val="000000"/>
         </a:buClr>
-        <a:buFont typeface="Arial"/>
+        <a:buFont typeface="Arial" panose="020B0604020202020204"/>
         <a:defRPr sz="1400" b="0" i="0" u="none" strike="noStrike" cap="none">
           <a:solidFill>
             <a:srgbClr val="000000"/>
           </a:solidFill>
-          <a:latin typeface="Arial"/>
-          <a:ea typeface="Arial"/>
-          <a:cs typeface="Arial"/>
-          <a:sym typeface="Arial"/>
+          <a:latin typeface="Arial" panose="020B0604020202020204"/>
+          <a:ea typeface="Arial" panose="020B0604020202020204"/>
+          <a:cs typeface="Arial" panose="020B0604020202020204"/>
+          <a:sym typeface="Arial" panose="020B0604020202020204"/>
         </a:defRPr>
       </a:lvl4pPr>
       <a:lvl5pPr marR="0" lvl="4" algn="l" rtl="0">
@@ -7501,15 +7404,15 @@
         <a:buClr>
           <a:srgbClr val="000000"/>
         </a:buClr>
-        <a:buFont typeface="Arial"/>
+        <a:buFont typeface="Arial" panose="020B0604020202020204"/>
         <a:defRPr sz="1400" b="0" i="0" u="none" strike="noStrike" cap="none">
           <a:solidFill>
             <a:srgbClr val="000000"/>
           </a:solidFill>
-          <a:latin typeface="Arial"/>
-          <a:ea typeface="Arial"/>
-          <a:cs typeface="Arial"/>
-          <a:sym typeface="Arial"/>
+          <a:latin typeface="Arial" panose="020B0604020202020204"/>
+          <a:ea typeface="Arial" panose="020B0604020202020204"/>
+          <a:cs typeface="Arial" panose="020B0604020202020204"/>
+          <a:sym typeface="Arial" panose="020B0604020202020204"/>
         </a:defRPr>
       </a:lvl5pPr>
       <a:lvl6pPr marR="0" lvl="5" algn="l" rtl="0">
@@ -7525,15 +7428,15 @@
         <a:buClr>
           <a:srgbClr val="000000"/>
         </a:buClr>
-        <a:buFont typeface="Arial"/>
+        <a:buFont typeface="Arial" panose="020B0604020202020204"/>
         <a:defRPr sz="1400" b="0" i="0" u="none" strike="noStrike" cap="none">
           <a:solidFill>
             <a:srgbClr val="000000"/>
           </a:solidFill>
-          <a:latin typeface="Arial"/>
-          <a:ea typeface="Arial"/>
-          <a:cs typeface="Arial"/>
-          <a:sym typeface="Arial"/>
+          <a:latin typeface="Arial" panose="020B0604020202020204"/>
+          <a:ea typeface="Arial" panose="020B0604020202020204"/>
+          <a:cs typeface="Arial" panose="020B0604020202020204"/>
+          <a:sym typeface="Arial" panose="020B0604020202020204"/>
         </a:defRPr>
       </a:lvl6pPr>
       <a:lvl7pPr marR="0" lvl="6" algn="l" rtl="0">
@@ -7549,15 +7452,15 @@
         <a:buClr>
           <a:srgbClr val="000000"/>
         </a:buClr>
-        <a:buFont typeface="Arial"/>
+        <a:buFont typeface="Arial" panose="020B0604020202020204"/>
         <a:defRPr sz="1400" b="0" i="0" u="none" strike="noStrike" cap="none">
           <a:solidFill>
             <a:srgbClr val="000000"/>
           </a:solidFill>
-          <a:latin typeface="Arial"/>
-          <a:ea typeface="Arial"/>
-          <a:cs typeface="Arial"/>
-          <a:sym typeface="Arial"/>
+          <a:latin typeface="Arial" panose="020B0604020202020204"/>
+          <a:ea typeface="Arial" panose="020B0604020202020204"/>
+          <a:cs typeface="Arial" panose="020B0604020202020204"/>
+          <a:sym typeface="Arial" panose="020B0604020202020204"/>
         </a:defRPr>
       </a:lvl7pPr>
       <a:lvl8pPr marR="0" lvl="7" algn="l" rtl="0">
@@ -7573,15 +7476,15 @@
         <a:buClr>
           <a:srgbClr val="000000"/>
         </a:buClr>
-        <a:buFont typeface="Arial"/>
+        <a:buFont typeface="Arial" panose="020B0604020202020204"/>
         <a:defRPr sz="1400" b="0" i="0" u="none" strike="noStrike" cap="none">
           <a:solidFill>
             <a:srgbClr val="000000"/>
           </a:solidFill>
-          <a:latin typeface="Arial"/>
-          <a:ea typeface="Arial"/>
-          <a:cs typeface="Arial"/>
-          <a:sym typeface="Arial"/>
+          <a:latin typeface="Arial" panose="020B0604020202020204"/>
+          <a:ea typeface="Arial" panose="020B0604020202020204"/>
+          <a:cs typeface="Arial" panose="020B0604020202020204"/>
+          <a:sym typeface="Arial" panose="020B0604020202020204"/>
         </a:defRPr>
       </a:lvl8pPr>
       <a:lvl9pPr marR="0" lvl="8" algn="l" rtl="0">
@@ -7597,15 +7500,15 @@
         <a:buClr>
           <a:srgbClr val="000000"/>
         </a:buClr>
-        <a:buFont typeface="Arial"/>
+        <a:buFont typeface="Arial" panose="020B0604020202020204"/>
         <a:defRPr sz="1400" b="0" i="0" u="none" strike="noStrike" cap="none">
           <a:solidFill>
             <a:srgbClr val="000000"/>
           </a:solidFill>
-          <a:latin typeface="Arial"/>
-          <a:ea typeface="Arial"/>
-          <a:cs typeface="Arial"/>
-          <a:sym typeface="Arial"/>
+          <a:latin typeface="Arial" panose="020B0604020202020204"/>
+          <a:ea typeface="Arial" panose="020B0604020202020204"/>
+          <a:cs typeface="Arial" panose="020B0604020202020204"/>
+          <a:sym typeface="Arial" panose="020B0604020202020204"/>
         </a:defRPr>
       </a:lvl9pPr>
     </p:otherStyle>
@@ -7718,6 +7621,7 @@
               <a:rPr lang="en-US" altLang="zh-CN" dirty="0" smtClean="0"/>
               <a:t> Wang</a:t>
             </a:r>
+            <a:endParaRPr lang="en-US" altLang="zh-CN" dirty="0" smtClean="0"/>
           </a:p>
         </p:txBody>
       </p:sp>
@@ -7780,8 +7684,8 @@
           <a:p>
             <a:r>
               <a:rPr lang="en-US" altLang="zh-CN" dirty="0">
-                <a:latin typeface="Times New Roman" pitchFamily="18" charset="0"/>
-                <a:cs typeface="Times New Roman" pitchFamily="18" charset="0"/>
+                <a:latin typeface="Times New Roman" panose="02020603050405020304" pitchFamily="18" charset="0"/>
+                <a:cs typeface="Times New Roman" panose="02020603050405020304" pitchFamily="18" charset="0"/>
               </a:rPr>
               <a:t>2</a:t>
             </a:r>
@@ -7826,10 +7730,9 @@
               <a:buNone/>
             </a:pPr>
             <a:fld id="{00000000-1234-1234-1234-123412341234}" type="slidenum">
-              <a:rPr lang="en" smtClean="0"/>
-              <a:t>10</a:t>
+              <a:rPr lang="en-GB" smtClean="0"/>
             </a:fld>
-            <a:endParaRPr lang="en"/>
+            <a:endParaRPr lang="en-GB"/>
           </a:p>
         </p:txBody>
       </p:sp>
@@ -7842,7 +7745,7 @@
           <p:nvPr/>
         </p:nvPicPr>
         <p:blipFill>
-          <a:blip r:embed="rId3">
+          <a:blip r:embed="rId1">
             <a:extLst>
               <a:ext uri="{28A0092B-C50C-407E-A947-70E740481C1C}">
                 <a14:useLocalDpi xmlns:a14="http://schemas.microsoft.com/office/drawing/2010/main" val="0"/>
@@ -7906,7 +7809,7 @@
           <p:nvPr/>
         </p:nvPicPr>
         <p:blipFill>
-          <a:blip r:embed="rId4">
+          <a:blip r:embed="rId2">
             <a:extLst>
               <a:ext uri="{28A0092B-C50C-407E-A947-70E740481C1C}">
                 <a14:useLocalDpi xmlns:a14="http://schemas.microsoft.com/office/drawing/2010/main" val="0"/>
@@ -8024,11 +7927,6 @@
         </p:txBody>
       </p:sp>
     </p:spTree>
-    <p:extLst>
-      <p:ext uri="{BB962C8B-B14F-4D97-AF65-F5344CB8AC3E}">
-        <p14:creationId xmlns:p14="http://schemas.microsoft.com/office/powerpoint/2010/main" val="693516863"/>
-      </p:ext>
-    </p:extLst>
   </p:cSld>
   <p:clrMapOvr>
     <a:masterClrMapping/>
@@ -8087,8 +7985,8 @@
           <a:p>
             <a:r>
               <a:rPr lang="en-US" altLang="zh-CN" dirty="0">
-                <a:latin typeface="Times New Roman" pitchFamily="18" charset="0"/>
-                <a:cs typeface="Times New Roman" pitchFamily="18" charset="0"/>
+                <a:latin typeface="Times New Roman" panose="02020603050405020304" pitchFamily="18" charset="0"/>
+                <a:cs typeface="Times New Roman" panose="02020603050405020304" pitchFamily="18" charset="0"/>
               </a:rPr>
               <a:t>2</a:t>
             </a:r>
@@ -8133,10 +8031,9 @@
               <a:buNone/>
             </a:pPr>
             <a:fld id="{00000000-1234-1234-1234-123412341234}" type="slidenum">
-              <a:rPr lang="en" smtClean="0"/>
-              <a:t>11</a:t>
+              <a:rPr lang="en-GB" smtClean="0"/>
             </a:fld>
-            <a:endParaRPr lang="en"/>
+            <a:endParaRPr lang="en-GB"/>
           </a:p>
         </p:txBody>
       </p:sp>
@@ -8149,7 +8046,7 @@
           <p:nvPr/>
         </p:nvPicPr>
         <p:blipFill>
-          <a:blip r:embed="rId3">
+          <a:blip r:embed="rId1">
             <a:extLst>
               <a:ext uri="{28A0092B-C50C-407E-A947-70E740481C1C}">
                 <a14:useLocalDpi xmlns:a14="http://schemas.microsoft.com/office/drawing/2010/main" val="0"/>
@@ -8205,11 +8102,6 @@
         </p:spPr>
       </p:pic>
     </p:spTree>
-    <p:extLst>
-      <p:ext uri="{BB962C8B-B14F-4D97-AF65-F5344CB8AC3E}">
-        <p14:creationId xmlns:p14="http://schemas.microsoft.com/office/powerpoint/2010/main" val="765862660"/>
-      </p:ext>
-    </p:extLst>
   </p:cSld>
   <p:clrMapOvr>
     <a:masterClrMapping/>
@@ -8241,8 +8133,8 @@
           <a:chExt cx="0" cy="0"/>
         </a:xfrm>
       </p:grpSpPr>
-      <mc:AlternateContent xmlns:mc="http://schemas.openxmlformats.org/markup-compatibility/2006" xmlns:a14="http://schemas.microsoft.com/office/drawing/2010/main">
-        <mc:Choice Requires="a14">
+      <mc:AlternateContent xmlns:mc="http://schemas.openxmlformats.org/markup-compatibility/2006">
+        <mc:Choice xmlns:a14="http://schemas.microsoft.com/office/drawing/2010/main" Requires="a14">
           <p:sp>
             <p:nvSpPr>
               <p:cNvPr id="78" name="Google Shape;78;p14"/>
@@ -8321,7 +8213,7 @@
             </p:txBody>
           </p:sp>
         </mc:Choice>
-        <mc:Fallback xmlns="">
+        <mc:Fallback>
           <p:sp>
             <p:nvSpPr>
               <p:cNvPr id="78" name="Google Shape;78;p14"/>
@@ -8341,7 +8233,7 @@
                 <a:avLst/>
               </a:prstGeom>
               <a:blipFill rotWithShape="1">
-                <a:blip r:embed="rId3"/>
+                <a:blip r:embed="rId1"/>
                 <a:stretch>
                   <a:fillRect l="-1718" t="-7619" b="-23810"/>
                 </a:stretch>
@@ -8357,6 +8249,9 @@
                   </a:rPr>
                   <a:t> </a:t>
                 </a:r>
+                <a:endParaRPr lang="zh-CN" altLang="en-US">
+                  <a:noFill/>
+                </a:endParaRPr>
               </a:p>
             </p:txBody>
           </p:sp>
@@ -8387,10 +8282,9 @@
               <a:buNone/>
             </a:pPr>
             <a:fld id="{00000000-1234-1234-1234-123412341234}" type="slidenum">
-              <a:rPr lang="en" smtClean="0"/>
-              <a:t>12</a:t>
+              <a:rPr lang="en-GB" smtClean="0"/>
             </a:fld>
-            <a:endParaRPr lang="en"/>
+            <a:endParaRPr lang="en-GB"/>
           </a:p>
         </p:txBody>
       </p:sp>
@@ -8403,7 +8297,7 @@
           <p:nvPr/>
         </p:nvPicPr>
         <p:blipFill>
-          <a:blip r:embed="rId4">
+          <a:blip r:embed="rId2">
             <a:extLst>
               <a:ext uri="{28A0092B-C50C-407E-A947-70E740481C1C}">
                 <a14:useLocalDpi xmlns:a14="http://schemas.microsoft.com/office/drawing/2010/main" val="0"/>
@@ -8467,7 +8361,7 @@
           <p:nvPr/>
         </p:nvPicPr>
         <p:blipFill>
-          <a:blip r:embed="rId5">
+          <a:blip r:embed="rId3">
             <a:extLst>
               <a:ext uri="{28A0092B-C50C-407E-A947-70E740481C1C}">
                 <a14:useLocalDpi xmlns:a14="http://schemas.microsoft.com/office/drawing/2010/main" val="0"/>
@@ -8531,7 +8425,7 @@
           <p:nvPr/>
         </p:nvPicPr>
         <p:blipFill>
-          <a:blip r:embed="rId6">
+          <a:blip r:embed="rId4">
             <a:extLst>
               <a:ext uri="{28A0092B-C50C-407E-A947-70E740481C1C}">
                 <a14:useLocalDpi xmlns:a14="http://schemas.microsoft.com/office/drawing/2010/main" val="0"/>
@@ -8587,11 +8481,6 @@
         </p:spPr>
       </p:pic>
     </p:spTree>
-    <p:extLst>
-      <p:ext uri="{BB962C8B-B14F-4D97-AF65-F5344CB8AC3E}">
-        <p14:creationId xmlns:p14="http://schemas.microsoft.com/office/powerpoint/2010/main" val="4213631418"/>
-      </p:ext>
-    </p:extLst>
   </p:cSld>
   <p:clrMapOvr>
     <a:masterClrMapping/>
@@ -8681,10 +8570,9 @@
               <a:buNone/>
             </a:pPr>
             <a:fld id="{00000000-1234-1234-1234-123412341234}" type="slidenum">
-              <a:rPr lang="en" smtClean="0"/>
-              <a:t>13</a:t>
+              <a:rPr lang="en-GB" smtClean="0"/>
             </a:fld>
-            <a:endParaRPr lang="en"/>
+            <a:endParaRPr lang="en-GB"/>
           </a:p>
         </p:txBody>
       </p:sp>
@@ -8697,7 +8585,7 @@
           <p:nvPr/>
         </p:nvPicPr>
         <p:blipFill>
-          <a:blip r:embed="rId3">
+          <a:blip r:embed="rId1">
             <a:extLst>
               <a:ext uri="{28A0092B-C50C-407E-A947-70E740481C1C}">
                 <a14:useLocalDpi xmlns:a14="http://schemas.microsoft.com/office/drawing/2010/main" val="0"/>
@@ -8761,7 +8649,7 @@
           <p:nvPr/>
         </p:nvPicPr>
         <p:blipFill>
-          <a:blip r:embed="rId4">
+          <a:blip r:embed="rId2">
             <a:extLst>
               <a:ext uri="{28A0092B-C50C-407E-A947-70E740481C1C}">
                 <a14:useLocalDpi xmlns:a14="http://schemas.microsoft.com/office/drawing/2010/main" val="0"/>
@@ -8817,11 +8705,6 @@
         </p:spPr>
       </p:pic>
     </p:spTree>
-    <p:extLst>
-      <p:ext uri="{BB962C8B-B14F-4D97-AF65-F5344CB8AC3E}">
-        <p14:creationId xmlns:p14="http://schemas.microsoft.com/office/powerpoint/2010/main" val="1062907677"/>
-      </p:ext>
-    </p:extLst>
   </p:cSld>
   <p:clrMapOvr>
     <a:masterClrMapping/>
@@ -8888,7 +8771,7 @@
               <a:buNone/>
             </a:pPr>
             <a:r>
-              <a:rPr lang="en" sz="4000">
+              <a:rPr lang="en-GB" sz="4000">
                 <a:solidFill>
                   <a:schemeClr val="dk1"/>
                 </a:solidFill>
@@ -8928,19 +8811,13 @@
               <a:buNone/>
             </a:pPr>
             <a:fld id="{00000000-1234-1234-1234-123412341234}" type="slidenum">
-              <a:rPr lang="en" smtClean="0"/>
-              <a:t>14</a:t>
+              <a:rPr lang="en-GB" smtClean="0"/>
             </a:fld>
-            <a:endParaRPr lang="en"/>
+            <a:endParaRPr lang="en-GB"/>
           </a:p>
         </p:txBody>
       </p:sp>
     </p:spTree>
-    <p:extLst>
-      <p:ext uri="{BB962C8B-B14F-4D97-AF65-F5344CB8AC3E}">
-        <p14:creationId xmlns:p14="http://schemas.microsoft.com/office/powerpoint/2010/main" val="3324984033"/>
-      </p:ext>
-    </p:extLst>
   </p:cSld>
   <p:clrMapOvr>
     <a:masterClrMapping/>
@@ -9007,10 +8884,10 @@
               <a:buNone/>
             </a:pPr>
             <a:r>
-              <a:rPr lang="en"/>
+              <a:rPr lang="en-GB"/>
               <a:t>Thank You!</a:t>
             </a:r>
-            <a:endParaRPr/>
+            <a:endParaRPr lang="en-GB"/>
           </a:p>
         </p:txBody>
       </p:sp>
@@ -9079,8 +8956,8 @@
                     <a:lumOff val="5000"/>
                   </a:schemeClr>
                 </a:solidFill>
-                <a:latin typeface="Times New Roman" pitchFamily="18" charset="0"/>
-                <a:cs typeface="Times New Roman" pitchFamily="18" charset="0"/>
+                <a:latin typeface="Times New Roman" panose="02020603050405020304" pitchFamily="18" charset="0"/>
+                <a:cs typeface="Times New Roman" panose="02020603050405020304" pitchFamily="18" charset="0"/>
               </a:rPr>
               <a:t>The Limitations of Deep Learning in Adversarial Settings</a:t>
             </a:r>
@@ -9091,14 +8968,14 @@
                   <a:lumOff val="5000"/>
                 </a:schemeClr>
               </a:solidFill>
-              <a:latin typeface="Times New Roman" pitchFamily="18" charset="0"/>
-              <a:cs typeface="Times New Roman" pitchFamily="18" charset="0"/>
+              <a:latin typeface="Times New Roman" panose="02020603050405020304" pitchFamily="18" charset="0"/>
+              <a:cs typeface="Times New Roman" panose="02020603050405020304" pitchFamily="18" charset="0"/>
             </a:endParaRPr>
           </a:p>
         </p:txBody>
       </p:sp>
-      <mc:AlternateContent xmlns:mc="http://schemas.openxmlformats.org/markup-compatibility/2006" xmlns:a14="http://schemas.microsoft.com/office/drawing/2010/main">
-        <mc:Choice Requires="a14">
+      <mc:AlternateContent xmlns:mc="http://schemas.openxmlformats.org/markup-compatibility/2006">
+        <mc:Choice xmlns:a14="http://schemas.microsoft.com/office/drawing/2010/main" Requires="a14">
           <p:sp>
             <p:nvSpPr>
               <p:cNvPr id="6" name="TextBox 5"/>
@@ -9547,7 +9424,7 @@
             </p:txBody>
           </p:sp>
         </mc:Choice>
-        <mc:Fallback xmlns="">
+        <mc:Fallback>
           <p:sp>
             <p:nvSpPr>
               <p:cNvPr id="6" name="TextBox 5"/>
@@ -9565,7 +9442,7 @@
                 <a:avLst/>
               </a:prstGeom>
               <a:blipFill rotWithShape="1">
-                <a:blip r:embed="rId3"/>
+                <a:blip r:embed="rId1"/>
                 <a:stretch>
                   <a:fillRect/>
                 </a:stretch>
@@ -9581,6 +9458,9 @@
                   </a:rPr>
                   <a:t> </a:t>
                 </a:r>
+                <a:endParaRPr lang="zh-CN" altLang="en-US">
+                  <a:noFill/>
+                </a:endParaRPr>
               </a:p>
             </p:txBody>
           </p:sp>
@@ -9611,15 +9491,14 @@
               <a:buNone/>
             </a:pPr>
             <a:fld id="{00000000-1234-1234-1234-123412341234}" type="slidenum">
-              <a:rPr lang="en" smtClean="0"/>
-              <a:t>2</a:t>
+              <a:rPr lang="en-GB" smtClean="0"/>
             </a:fld>
-            <a:endParaRPr lang="en"/>
+            <a:endParaRPr lang="en-GB"/>
           </a:p>
         </p:txBody>
       </p:sp>
-      <mc:AlternateContent xmlns:mc="http://schemas.openxmlformats.org/markup-compatibility/2006" xmlns:a14="http://schemas.microsoft.com/office/drawing/2010/main">
-        <mc:Choice Requires="a14">
+      <mc:AlternateContent xmlns:mc="http://schemas.openxmlformats.org/markup-compatibility/2006">
+        <mc:Choice xmlns:a14="http://schemas.microsoft.com/office/drawing/2010/main" Requires="a14">
           <p:sp>
             <p:nvSpPr>
               <p:cNvPr id="9" name="TextBox 8"/>
@@ -9870,7 +9749,7 @@
             </p:txBody>
           </p:sp>
         </mc:Choice>
-        <mc:Fallback xmlns="">
+        <mc:Fallback>
           <p:sp>
             <p:nvSpPr>
               <p:cNvPr id="9" name="TextBox 8"/>
@@ -9888,7 +9767,7 @@
                 <a:avLst/>
               </a:prstGeom>
               <a:blipFill rotWithShape="1">
-                <a:blip r:embed="rId4"/>
+                <a:blip r:embed="rId2"/>
                 <a:stretch>
                   <a:fillRect b="-7843"/>
                 </a:stretch>
@@ -9904,13 +9783,16 @@
                   </a:rPr>
                   <a:t> </a:t>
                 </a:r>
+                <a:endParaRPr lang="zh-CN" altLang="en-US">
+                  <a:noFill/>
+                </a:endParaRPr>
               </a:p>
             </p:txBody>
           </p:sp>
         </mc:Fallback>
       </mc:AlternateContent>
-      <mc:AlternateContent xmlns:mc="http://schemas.openxmlformats.org/markup-compatibility/2006" xmlns:a14="http://schemas.microsoft.com/office/drawing/2010/main">
-        <mc:Choice Requires="a14">
+      <mc:AlternateContent xmlns:mc="http://schemas.openxmlformats.org/markup-compatibility/2006">
+        <mc:Choice xmlns:a14="http://schemas.microsoft.com/office/drawing/2010/main" Requires="a14">
           <p:sp>
             <p:nvSpPr>
               <p:cNvPr id="11" name="TextBox 10"/>
@@ -9991,7 +9873,7 @@
             </p:txBody>
           </p:sp>
         </mc:Choice>
-        <mc:Fallback xmlns="">
+        <mc:Fallback>
           <p:sp>
             <p:nvSpPr>
               <p:cNvPr id="11" name="TextBox 10"/>
@@ -10009,7 +9891,7 @@
                 <a:avLst/>
               </a:prstGeom>
               <a:blipFill rotWithShape="1">
-                <a:blip r:embed="rId5"/>
+                <a:blip r:embed="rId3"/>
                 <a:stretch>
                   <a:fillRect l="-341" b="-7843"/>
                 </a:stretch>
@@ -10025,13 +9907,16 @@
                   </a:rPr>
                   <a:t> </a:t>
                 </a:r>
+                <a:endParaRPr lang="zh-CN" altLang="en-US">
+                  <a:noFill/>
+                </a:endParaRPr>
               </a:p>
             </p:txBody>
           </p:sp>
         </mc:Fallback>
       </mc:AlternateContent>
-      <mc:AlternateContent xmlns:mc="http://schemas.openxmlformats.org/markup-compatibility/2006" xmlns:a14="http://schemas.microsoft.com/office/drawing/2010/main">
-        <mc:Choice Requires="a14">
+      <mc:AlternateContent xmlns:mc="http://schemas.openxmlformats.org/markup-compatibility/2006">
+        <mc:Choice xmlns:a14="http://schemas.microsoft.com/office/drawing/2010/main" Requires="a14">
           <p:sp>
             <p:nvSpPr>
               <p:cNvPr id="20" name="TextBox 19"/>
@@ -10120,7 +10005,7 @@
             </p:txBody>
           </p:sp>
         </mc:Choice>
-        <mc:Fallback xmlns="">
+        <mc:Fallback>
           <p:sp>
             <p:nvSpPr>
               <p:cNvPr id="20" name="TextBox 19"/>
@@ -10138,7 +10023,7 @@
                 <a:avLst/>
               </a:prstGeom>
               <a:blipFill rotWithShape="1">
-                <a:blip r:embed="rId6"/>
+                <a:blip r:embed="rId4"/>
                 <a:stretch>
                   <a:fillRect l="-341" b="-9804"/>
                 </a:stretch>
@@ -10154,17 +10039,15 @@
                   </a:rPr>
                   <a:t> </a:t>
                 </a:r>
+                <a:endParaRPr lang="zh-CN" altLang="en-US">
+                  <a:noFill/>
+                </a:endParaRPr>
               </a:p>
             </p:txBody>
           </p:sp>
         </mc:Fallback>
       </mc:AlternateContent>
     </p:spTree>
-    <p:extLst>
-      <p:ext uri="{BB962C8B-B14F-4D97-AF65-F5344CB8AC3E}">
-        <p14:creationId xmlns:p14="http://schemas.microsoft.com/office/powerpoint/2010/main" val="962970236"/>
-      </p:ext>
-    </p:extLst>
   </p:cSld>
   <p:clrMapOvr>
     <a:masterClrMapping/>
@@ -10226,12 +10109,8 @@
               <a:t>Adversarial Example</a:t>
             </a:r>
             <a:r>
-              <a:rPr lang="en" altLang="zh-CN" dirty="0" smtClean="0"/>
+              <a:rPr lang="en-GB" altLang="zh-CN" dirty="0" smtClean="0"/>
               <a:t>...</a:t>
-            </a:r>
-            <a:r>
-              <a:rPr lang="en-US" altLang="zh-CN" b="0" dirty="0"/>
-              <a:t/>
             </a:r>
             <a:br>
               <a:rPr lang="en-US" altLang="zh-CN" b="0" dirty="0"/>
@@ -10265,10 +10144,9 @@
               <a:buNone/>
             </a:pPr>
             <a:fld id="{00000000-1234-1234-1234-123412341234}" type="slidenum">
-              <a:rPr lang="en" smtClean="0"/>
-              <a:t>3</a:t>
+              <a:rPr lang="en-GB" smtClean="0"/>
             </a:fld>
-            <a:endParaRPr lang="en"/>
+            <a:endParaRPr lang="en-GB"/>
           </a:p>
         </p:txBody>
       </p:sp>
@@ -10324,9 +10202,6 @@
         </p:spPr>
         <p:txBody>
           <a:bodyPr vert="horz" wrap="none" lIns="91440" tIns="45720" rIns="91440" bIns="45720" numCol="1" anchor="ctr" anchorCtr="0" compatLnSpc="1">
-            <a:prstTxWarp prst="textNoShape">
-              <a:avLst/>
-            </a:prstTxWarp>
             <a:spAutoFit/>
           </a:bodyPr>
           <a:lstStyle/>
@@ -10345,7 +10220,6 @@
               <a:buSzTx/>
               <a:buFontTx/>
               <a:buNone/>
-              <a:tabLst/>
             </a:pPr>
             <a:endParaRPr kumimoji="0" lang="zh-CN" altLang="zh-CN" sz="1800" b="0" i="0" u="none" strike="noStrike" cap="none" normalizeH="0" baseline="0" smtClean="0">
               <a:ln>
@@ -10355,9 +10229,9 @@
                 <a:schemeClr val="tx1"/>
               </a:solidFill>
               <a:effectLst/>
-              <a:latin typeface="Arial" pitchFamily="34" charset="0"/>
-              <a:ea typeface="宋体" pitchFamily="2" charset="-122"/>
-              <a:cs typeface="宋体" pitchFamily="2" charset="-122"/>
+              <a:latin typeface="Arial" panose="020B0604020202020204" pitchFamily="34" charset="0"/>
+              <a:ea typeface="宋体" panose="02010600030101010101" pitchFamily="2" charset="-122"/>
+              <a:cs typeface="宋体" panose="02010600030101010101" pitchFamily="2" charset="-122"/>
             </a:endParaRPr>
           </a:p>
         </p:txBody>
@@ -10414,9 +10288,6 @@
         </p:spPr>
         <p:txBody>
           <a:bodyPr vert="horz" wrap="none" lIns="91440" tIns="45720" rIns="91440" bIns="45720" numCol="1" anchor="ctr" anchorCtr="0" compatLnSpc="1">
-            <a:prstTxWarp prst="textNoShape">
-              <a:avLst/>
-            </a:prstTxWarp>
             <a:spAutoFit/>
           </a:bodyPr>
           <a:lstStyle/>
@@ -10435,7 +10306,6 @@
               <a:buSzTx/>
               <a:buFontTx/>
               <a:buNone/>
-              <a:tabLst/>
             </a:pPr>
             <a:endParaRPr kumimoji="0" lang="zh-CN" altLang="zh-CN" sz="1800" b="0" i="0" u="none" strike="noStrike" cap="none" normalizeH="0" baseline="0" smtClean="0">
               <a:ln>
@@ -10445,9 +10315,9 @@
                 <a:schemeClr val="tx1"/>
               </a:solidFill>
               <a:effectLst/>
-              <a:latin typeface="Arial" pitchFamily="34" charset="0"/>
-              <a:ea typeface="宋体" pitchFamily="2" charset="-122"/>
-              <a:cs typeface="宋体" pitchFamily="2" charset="-122"/>
+              <a:latin typeface="Arial" panose="020B0604020202020204" pitchFamily="34" charset="0"/>
+              <a:ea typeface="宋体" panose="02010600030101010101" pitchFamily="2" charset="-122"/>
+              <a:cs typeface="宋体" panose="02010600030101010101" pitchFamily="2" charset="-122"/>
             </a:endParaRPr>
           </a:p>
         </p:txBody>
@@ -10461,7 +10331,7 @@
           <p:nvPr/>
         </p:nvPicPr>
         <p:blipFill>
-          <a:blip r:embed="rId3">
+          <a:blip r:embed="rId1">
             <a:extLst>
               <a:ext uri="{28A0092B-C50C-407E-A947-70E740481C1C}">
                 <a14:useLocalDpi xmlns:a14="http://schemas.microsoft.com/office/drawing/2010/main" val="0"/>
@@ -10542,10 +10412,6 @@
             <a:r>
               <a:rPr lang="en-US" altLang="zh-CN" dirty="0" smtClean="0"/>
               <a:t>Adversarial Attacks</a:t>
-            </a:r>
-            <a:r>
-              <a:rPr lang="en-US" altLang="zh-CN" b="0" dirty="0"/>
-              <a:t/>
             </a:r>
             <a:br>
               <a:rPr lang="en-US" altLang="zh-CN" b="0" dirty="0"/>
@@ -10671,10 +10537,9 @@
               <a:buNone/>
             </a:pPr>
             <a:fld id="{00000000-1234-1234-1234-123412341234}" type="slidenum">
-              <a:rPr lang="en" smtClean="0"/>
-              <a:t>4</a:t>
+              <a:rPr lang="en-GB" smtClean="0"/>
             </a:fld>
-            <a:endParaRPr lang="en"/>
+            <a:endParaRPr lang="en-GB"/>
           </a:p>
         </p:txBody>
       </p:sp>
@@ -10687,7 +10552,7 @@
           <p:nvPr/>
         </p:nvPicPr>
         <p:blipFill>
-          <a:blip r:embed="rId3">
+          <a:blip r:embed="rId1">
             <a:extLst>
               <a:ext uri="{28A0092B-C50C-407E-A947-70E740481C1C}">
                 <a14:useLocalDpi xmlns:a14="http://schemas.microsoft.com/office/drawing/2010/main" val="0"/>
@@ -10743,11 +10608,6 @@
         </p:spPr>
       </p:pic>
     </p:spTree>
-    <p:extLst>
-      <p:ext uri="{BB962C8B-B14F-4D97-AF65-F5344CB8AC3E}">
-        <p14:creationId xmlns:p14="http://schemas.microsoft.com/office/powerpoint/2010/main" val="123220916"/>
-      </p:ext>
-    </p:extLst>
   </p:cSld>
   <p:clrMapOvr>
     <a:masterClrMapping/>
@@ -10887,10 +10747,9 @@
               <a:buNone/>
             </a:pPr>
             <a:fld id="{00000000-1234-1234-1234-123412341234}" type="slidenum">
-              <a:rPr lang="en" smtClean="0"/>
-              <a:t>5</a:t>
+              <a:rPr lang="en-GB" smtClean="0"/>
             </a:fld>
-            <a:endParaRPr lang="en"/>
+            <a:endParaRPr lang="en-GB"/>
           </a:p>
         </p:txBody>
       </p:sp>
@@ -10903,7 +10762,7 @@
           <p:nvPr/>
         </p:nvPicPr>
         <p:blipFill>
-          <a:blip r:embed="rId3">
+          <a:blip r:embed="rId1">
             <a:extLst>
               <a:ext uri="{28A0092B-C50C-407E-A947-70E740481C1C}">
                 <a14:useLocalDpi xmlns:a14="http://schemas.microsoft.com/office/drawing/2010/main" val="0"/>
@@ -10982,38 +10841,33 @@
           <a:p>
             <a:r>
               <a:rPr lang="en-US" altLang="zh-CN" dirty="0" smtClean="0">
-                <a:latin typeface="Times New Roman" pitchFamily="18" charset="0"/>
-                <a:cs typeface="Times New Roman" pitchFamily="18" charset="0"/>
+                <a:latin typeface="Times New Roman" panose="02020603050405020304" pitchFamily="18" charset="0"/>
+                <a:cs typeface="Times New Roman" panose="02020603050405020304" pitchFamily="18" charset="0"/>
               </a:rPr>
               <a:t>Function : </a:t>
             </a:r>
             <a:r>
               <a:rPr lang="en-US" altLang="zh-CN" dirty="0" err="1" smtClean="0">
-                <a:latin typeface="Times New Roman" pitchFamily="18" charset="0"/>
-                <a:cs typeface="Times New Roman" pitchFamily="18" charset="0"/>
+                <a:latin typeface="Times New Roman" panose="02020603050405020304" pitchFamily="18" charset="0"/>
+                <a:cs typeface="Times New Roman" panose="02020603050405020304" pitchFamily="18" charset="0"/>
               </a:rPr>
               <a:t>Bool</a:t>
             </a:r>
             <a:r>
               <a:rPr lang="en-US" altLang="zh-CN" dirty="0" smtClean="0">
-                <a:latin typeface="Times New Roman" pitchFamily="18" charset="0"/>
-                <a:cs typeface="Times New Roman" pitchFamily="18" charset="0"/>
+                <a:latin typeface="Times New Roman" panose="02020603050405020304" pitchFamily="18" charset="0"/>
+                <a:cs typeface="Times New Roman" panose="02020603050405020304" pitchFamily="18" charset="0"/>
               </a:rPr>
               <a:t> AND </a:t>
             </a:r>
             <a:endParaRPr lang="zh-CN" altLang="en-US" dirty="0">
-              <a:latin typeface="Times New Roman" pitchFamily="18" charset="0"/>
-              <a:cs typeface="Times New Roman" pitchFamily="18" charset="0"/>
+              <a:latin typeface="Times New Roman" panose="02020603050405020304" pitchFamily="18" charset="0"/>
+              <a:cs typeface="Times New Roman" panose="02020603050405020304" pitchFamily="18" charset="0"/>
             </a:endParaRPr>
           </a:p>
         </p:txBody>
       </p:sp>
     </p:spTree>
-    <p:extLst>
-      <p:ext uri="{BB962C8B-B14F-4D97-AF65-F5344CB8AC3E}">
-        <p14:creationId xmlns:p14="http://schemas.microsoft.com/office/powerpoint/2010/main" val="2833716976"/>
-      </p:ext>
-    </p:extLst>
   </p:cSld>
   <p:clrMapOvr>
     <a:masterClrMapping/>
@@ -11153,10 +11007,9 @@
               <a:buNone/>
             </a:pPr>
             <a:fld id="{00000000-1234-1234-1234-123412341234}" type="slidenum">
-              <a:rPr lang="en" smtClean="0"/>
-              <a:t>6</a:t>
+              <a:rPr lang="en-GB" smtClean="0"/>
             </a:fld>
-            <a:endParaRPr lang="en"/>
+            <a:endParaRPr lang="en-GB"/>
           </a:p>
         </p:txBody>
       </p:sp>
@@ -11169,7 +11022,7 @@
           <p:nvPr/>
         </p:nvPicPr>
         <p:blipFill>
-          <a:blip r:embed="rId3">
+          <a:blip r:embed="rId1">
             <a:extLst>
               <a:ext uri="{28A0092B-C50C-407E-A947-70E740481C1C}">
                 <a14:useLocalDpi xmlns:a14="http://schemas.microsoft.com/office/drawing/2010/main" val="0"/>
@@ -11183,7 +11036,7 @@
         </p:blipFill>
         <p:spPr bwMode="auto">
           <a:xfrm>
-            <a:off x="215210" y="1163223"/>
+            <a:off x="215210" y="1207673"/>
             <a:ext cx="3959225" cy="2848872"/>
           </a:xfrm>
           <a:prstGeom prst="rect">
@@ -11210,7 +11063,7 @@
           <p:nvPr/>
         </p:nvPicPr>
         <p:blipFill>
-          <a:blip r:embed="rId4">
+          <a:blip r:embed="rId2">
             <a:extLst>
               <a:ext uri="{28A0092B-C50C-407E-A947-70E740481C1C}">
                 <a14:useLocalDpi xmlns:a14="http://schemas.microsoft.com/office/drawing/2010/main" val="0"/>
@@ -11265,8 +11118,8 @@
           </a:extLst>
         </p:spPr>
       </p:pic>
-      <mc:AlternateContent xmlns:mc="http://schemas.openxmlformats.org/markup-compatibility/2006" xmlns:a14="http://schemas.microsoft.com/office/drawing/2010/main">
-        <mc:Choice Requires="a14">
+      <mc:AlternateContent xmlns:mc="http://schemas.openxmlformats.org/markup-compatibility/2006">
+        <mc:Choice xmlns:a14="http://schemas.microsoft.com/office/drawing/2010/main" Requires="a14">
           <p:sp>
             <p:nvSpPr>
               <p:cNvPr id="3" name="TextBox 2"/>
@@ -11495,7 +11348,7 @@
             </p:txBody>
           </p:sp>
         </mc:Choice>
-        <mc:Fallback xmlns="">
+        <mc:Fallback>
           <p:sp>
             <p:nvSpPr>
               <p:cNvPr id="3" name="TextBox 2"/>
@@ -11513,7 +11366,7 @@
                 <a:avLst/>
               </a:prstGeom>
               <a:blipFill rotWithShape="1">
-                <a:blip r:embed="rId5"/>
+                <a:blip r:embed="rId3"/>
                 <a:stretch>
                   <a:fillRect/>
                 </a:stretch>
@@ -11529,13 +11382,16 @@
                   </a:rPr>
                   <a:t> </a:t>
                 </a:r>
+                <a:endParaRPr lang="zh-CN" altLang="en-US">
+                  <a:noFill/>
+                </a:endParaRPr>
               </a:p>
             </p:txBody>
           </p:sp>
         </mc:Fallback>
       </mc:AlternateContent>
-      <mc:AlternateContent xmlns:mc="http://schemas.openxmlformats.org/markup-compatibility/2006" xmlns:a14="http://schemas.microsoft.com/office/drawing/2010/main">
-        <mc:Choice Requires="a14">
+      <mc:AlternateContent xmlns:mc="http://schemas.openxmlformats.org/markup-compatibility/2006">
+        <mc:Choice xmlns:a14="http://schemas.microsoft.com/office/drawing/2010/main" Requires="a14">
           <p:sp>
             <p:nvSpPr>
               <p:cNvPr id="11" name="TextBox 10"/>
@@ -11756,7 +11612,7 @@
             </p:txBody>
           </p:sp>
         </mc:Choice>
-        <mc:Fallback xmlns="">
+        <mc:Fallback>
           <p:sp>
             <p:nvSpPr>
               <p:cNvPr id="11" name="TextBox 10"/>
@@ -11774,7 +11630,7 @@
                 <a:avLst/>
               </a:prstGeom>
               <a:blipFill rotWithShape="1">
-                <a:blip r:embed="rId6"/>
+                <a:blip r:embed="rId4"/>
                 <a:stretch>
                   <a:fillRect l="-227" t="-3922" b="-15686"/>
                 </a:stretch>
@@ -11790,13 +11646,16 @@
                   </a:rPr>
                   <a:t> </a:t>
                 </a:r>
+                <a:endParaRPr lang="zh-CN" altLang="en-US">
+                  <a:noFill/>
+                </a:endParaRPr>
               </a:p>
             </p:txBody>
           </p:sp>
         </mc:Fallback>
       </mc:AlternateContent>
-      <mc:AlternateContent xmlns:mc="http://schemas.openxmlformats.org/markup-compatibility/2006" xmlns:a14="http://schemas.microsoft.com/office/drawing/2010/main">
-        <mc:Choice Requires="a14">
+      <mc:AlternateContent xmlns:mc="http://schemas.openxmlformats.org/markup-compatibility/2006">
+        <mc:Choice xmlns:a14="http://schemas.microsoft.com/office/drawing/2010/main" Requires="a14">
           <p:sp>
             <p:nvSpPr>
               <p:cNvPr id="5" name="TextBox 4"/>
@@ -11875,7 +11734,7 @@
             </p:txBody>
           </p:sp>
         </mc:Choice>
-        <mc:Fallback xmlns="">
+        <mc:Fallback>
           <p:sp>
             <p:nvSpPr>
               <p:cNvPr id="5" name="TextBox 4"/>
@@ -11893,7 +11752,7 @@
                 <a:avLst/>
               </a:prstGeom>
               <a:blipFill rotWithShape="1">
-                <a:blip r:embed="rId7"/>
+                <a:blip r:embed="rId5"/>
                 <a:stretch>
                   <a:fillRect t="-3922" b="-19608"/>
                 </a:stretch>
@@ -11909,17 +11768,15 @@
                   </a:rPr>
                   <a:t> </a:t>
                 </a:r>
+                <a:endParaRPr lang="zh-CN" altLang="en-US">
+                  <a:noFill/>
+                </a:endParaRPr>
               </a:p>
             </p:txBody>
           </p:sp>
         </mc:Fallback>
       </mc:AlternateContent>
     </p:spTree>
-    <p:extLst>
-      <p:ext uri="{BB962C8B-B14F-4D97-AF65-F5344CB8AC3E}">
-        <p14:creationId xmlns:p14="http://schemas.microsoft.com/office/powerpoint/2010/main" val="3297517660"/>
-      </p:ext>
-    </p:extLst>
   </p:cSld>
   <p:clrMapOvr>
     <a:masterClrMapping/>
@@ -12009,10 +11866,9 @@
               <a:buNone/>
             </a:pPr>
             <a:fld id="{00000000-1234-1234-1234-123412341234}" type="slidenum">
-              <a:rPr lang="en" smtClean="0"/>
-              <a:t>7</a:t>
+              <a:rPr lang="en-GB" smtClean="0"/>
             </a:fld>
-            <a:endParaRPr lang="en"/>
+            <a:endParaRPr lang="en-GB"/>
           </a:p>
         </p:txBody>
       </p:sp>
@@ -12025,7 +11881,7 @@
           <p:nvPr/>
         </p:nvPicPr>
         <p:blipFill>
-          <a:blip r:embed="rId3">
+          <a:blip r:embed="rId1">
             <a:extLst>
               <a:ext uri="{28A0092B-C50C-407E-A947-70E740481C1C}">
                 <a14:useLocalDpi xmlns:a14="http://schemas.microsoft.com/office/drawing/2010/main" val="0"/>
@@ -12528,7 +12384,7 @@
                 <a:avLst/>
               </a:prstGeom>
               <a:blipFill rotWithShape="1">
-                <a:blip r:embed="rId4"/>
+                <a:blip r:embed="rId2"/>
                 <a:stretch>
                   <a:fillRect l="-446" t="-651"/>
                 </a:stretch>
@@ -12544,17 +12400,15 @@
                   </a:rPr>
                   <a:t> </a:t>
                 </a:r>
+                <a:endParaRPr lang="zh-CN" altLang="en-US">
+                  <a:noFill/>
+                </a:endParaRPr>
               </a:p>
             </p:txBody>
           </p:sp>
         </mc:Fallback>
       </mc:AlternateContent>
     </p:spTree>
-    <p:extLst>
-      <p:ext uri="{BB962C8B-B14F-4D97-AF65-F5344CB8AC3E}">
-        <p14:creationId xmlns:p14="http://schemas.microsoft.com/office/powerpoint/2010/main" val="3297517660"/>
-      </p:ext>
-    </p:extLst>
   </p:cSld>
   <p:clrMapOvr>
     <a:masterClrMapping/>
@@ -12586,8 +12440,8 @@
           <a:chExt cx="0" cy="0"/>
         </a:xfrm>
       </p:grpSpPr>
-      <mc:AlternateContent xmlns:mc="http://schemas.openxmlformats.org/markup-compatibility/2006" xmlns:a14="http://schemas.microsoft.com/office/drawing/2010/main">
-        <mc:Choice Requires="a14">
+      <mc:AlternateContent xmlns:mc="http://schemas.openxmlformats.org/markup-compatibility/2006">
+        <mc:Choice xmlns:a14="http://schemas.microsoft.com/office/drawing/2010/main" Requires="a14">
           <p:sp>
             <p:nvSpPr>
               <p:cNvPr id="78" name="Google Shape;78;p14"/>
@@ -12712,7 +12566,7 @@
             </p:txBody>
           </p:sp>
         </mc:Choice>
-        <mc:Fallback xmlns="">
+        <mc:Fallback>
           <p:sp>
             <p:nvSpPr>
               <p:cNvPr id="78" name="Google Shape;78;p14"/>
@@ -12732,7 +12586,7 @@
                 <a:avLst/>
               </a:prstGeom>
               <a:blipFill rotWithShape="1">
-                <a:blip r:embed="rId3"/>
+                <a:blip r:embed="rId1"/>
                 <a:stretch>
                   <a:fillRect l="-1718" t="-9574" b="-37234"/>
                 </a:stretch>
@@ -12748,6 +12602,9 @@
                   </a:rPr>
                   <a:t> </a:t>
                 </a:r>
+                <a:endParaRPr lang="zh-CN" altLang="en-US">
+                  <a:noFill/>
+                </a:endParaRPr>
               </a:p>
             </p:txBody>
           </p:sp>
@@ -12778,10 +12635,9 @@
               <a:buNone/>
             </a:pPr>
             <a:fld id="{00000000-1234-1234-1234-123412341234}" type="slidenum">
-              <a:rPr lang="en" smtClean="0"/>
-              <a:t>8</a:t>
+              <a:rPr lang="en-GB" smtClean="0"/>
             </a:fld>
-            <a:endParaRPr lang="en"/>
+            <a:endParaRPr lang="en-GB"/>
           </a:p>
         </p:txBody>
       </p:sp>
@@ -12794,7 +12650,7 @@
           <p:nvPr/>
         </p:nvPicPr>
         <p:blipFill>
-          <a:blip r:embed="rId4">
+          <a:blip r:embed="rId2">
             <a:extLst>
               <a:ext uri="{28A0092B-C50C-407E-A947-70E740481C1C}">
                 <a14:useLocalDpi xmlns:a14="http://schemas.microsoft.com/office/drawing/2010/main" val="0"/>
@@ -12858,7 +12714,7 @@
           <p:nvPr/>
         </p:nvPicPr>
         <p:blipFill>
-          <a:blip r:embed="rId5">
+          <a:blip r:embed="rId3">
             <a:extLst>
               <a:ext uri="{28A0092B-C50C-407E-A947-70E740481C1C}">
                 <a14:useLocalDpi xmlns:a14="http://schemas.microsoft.com/office/drawing/2010/main" val="0"/>
@@ -12914,11 +12770,6 @@
         </p:spPr>
       </p:pic>
     </p:spTree>
-    <p:extLst>
-      <p:ext uri="{BB962C8B-B14F-4D97-AF65-F5344CB8AC3E}">
-        <p14:creationId xmlns:p14="http://schemas.microsoft.com/office/powerpoint/2010/main" val="1381184032"/>
-      </p:ext>
-    </p:extLst>
   </p:cSld>
   <p:clrMapOvr>
     <a:masterClrMapping/>
@@ -12977,8 +12828,8 @@
           <a:p>
             <a:r>
               <a:rPr lang="en-US" altLang="zh-CN" dirty="0">
-                <a:latin typeface="Times New Roman" pitchFamily="18" charset="0"/>
-                <a:cs typeface="Times New Roman" pitchFamily="18" charset="0"/>
+                <a:latin typeface="Times New Roman" panose="02020603050405020304" pitchFamily="18" charset="0"/>
+                <a:cs typeface="Times New Roman" panose="02020603050405020304" pitchFamily="18" charset="0"/>
               </a:rPr>
               <a:t>2</a:t>
             </a:r>
@@ -13023,10 +12874,9 @@
               <a:buNone/>
             </a:pPr>
             <a:fld id="{00000000-1234-1234-1234-123412341234}" type="slidenum">
-              <a:rPr lang="en" smtClean="0"/>
-              <a:t>9</a:t>
+              <a:rPr lang="en-GB" smtClean="0"/>
             </a:fld>
-            <a:endParaRPr lang="en"/>
+            <a:endParaRPr lang="en-GB"/>
           </a:p>
         </p:txBody>
       </p:sp>
@@ -13056,41 +12906,41 @@
               <a:rPr lang="zh-CN" altLang="en-US" dirty="0" smtClean="0">
                 <a:latin typeface="+mn-ea"/>
                 <a:ea typeface="+mn-ea"/>
-                <a:cs typeface="Times New Roman" pitchFamily="18" charset="0"/>
+                <a:cs typeface="Times New Roman" panose="02020603050405020304" pitchFamily="18" charset="0"/>
               </a:rPr>
               <a:t>参考：</a:t>
             </a:r>
             <a:r>
               <a:rPr lang="en-US" altLang="zh-CN" dirty="0" smtClean="0">
-                <a:latin typeface="Times New Roman" pitchFamily="18" charset="0"/>
-                <a:cs typeface="Times New Roman" pitchFamily="18" charset="0"/>
+                <a:latin typeface="Times New Roman" panose="02020603050405020304" pitchFamily="18" charset="0"/>
+                <a:cs typeface="Times New Roman" panose="02020603050405020304" pitchFamily="18" charset="0"/>
               </a:rPr>
               <a:t>Deep </a:t>
             </a:r>
             <a:r>
               <a:rPr lang="en-US" altLang="zh-CN" dirty="0">
-                <a:latin typeface="Times New Roman" pitchFamily="18" charset="0"/>
-                <a:cs typeface="Times New Roman" pitchFamily="18" charset="0"/>
+                <a:latin typeface="Times New Roman" panose="02020603050405020304" pitchFamily="18" charset="0"/>
+                <a:cs typeface="Times New Roman" panose="02020603050405020304" pitchFamily="18" charset="0"/>
               </a:rPr>
               <a:t>Inside Convolutional Networks: </a:t>
             </a:r>
             <a:r>
               <a:rPr lang="en-US" altLang="zh-CN" dirty="0" err="1">
-                <a:latin typeface="Times New Roman" pitchFamily="18" charset="0"/>
-                <a:cs typeface="Times New Roman" pitchFamily="18" charset="0"/>
+                <a:latin typeface="Times New Roman" panose="02020603050405020304" pitchFamily="18" charset="0"/>
+                <a:cs typeface="Times New Roman" panose="02020603050405020304" pitchFamily="18" charset="0"/>
               </a:rPr>
               <a:t>Visualising</a:t>
             </a:r>
             <a:r>
               <a:rPr lang="en-US" altLang="zh-CN" dirty="0">
-                <a:latin typeface="Times New Roman" pitchFamily="18" charset="0"/>
-                <a:cs typeface="Times New Roman" pitchFamily="18" charset="0"/>
+                <a:latin typeface="Times New Roman" panose="02020603050405020304" pitchFamily="18" charset="0"/>
+                <a:cs typeface="Times New Roman" panose="02020603050405020304" pitchFamily="18" charset="0"/>
               </a:rPr>
               <a:t> Image Classification Models and Saliency Maps</a:t>
             </a:r>
             <a:endParaRPr lang="zh-CN" altLang="en-US" dirty="0">
-              <a:latin typeface="Times New Roman" pitchFamily="18" charset="0"/>
-              <a:cs typeface="Times New Roman" pitchFamily="18" charset="0"/>
+              <a:latin typeface="Times New Roman" panose="02020603050405020304" pitchFamily="18" charset="0"/>
+              <a:cs typeface="Times New Roman" panose="02020603050405020304" pitchFamily="18" charset="0"/>
             </a:endParaRPr>
           </a:p>
         </p:txBody>
@@ -13958,7 +13808,7 @@
                 <a:avLst/>
               </a:prstGeom>
               <a:blipFill rotWithShape="1">
-                <a:blip r:embed="rId3"/>
+                <a:blip r:embed="rId1"/>
                 <a:stretch>
                   <a:fillRect l="-311" t="-518"/>
                 </a:stretch>
@@ -13974,6 +13824,9 @@
                   </a:rPr>
                   <a:t> </a:t>
                 </a:r>
+                <a:endParaRPr lang="zh-CN" altLang="en-US">
+                  <a:noFill/>
+                </a:endParaRPr>
               </a:p>
             </p:txBody>
           </p:sp>
@@ -13988,7 +13841,7 @@
           <p:nvPr/>
         </p:nvPicPr>
         <p:blipFill>
-          <a:blip r:embed="rId4">
+          <a:blip r:embed="rId2">
             <a:extLst>
               <a:ext uri="{28A0092B-C50C-407E-A947-70E740481C1C}">
                 <a14:useLocalDpi xmlns:a14="http://schemas.microsoft.com/office/drawing/2010/main" val="0"/>
@@ -14044,11 +13897,6 @@
         </p:spPr>
       </p:pic>
     </p:spTree>
-    <p:extLst>
-      <p:ext uri="{BB962C8B-B14F-4D97-AF65-F5344CB8AC3E}">
-        <p14:creationId xmlns:p14="http://schemas.microsoft.com/office/powerpoint/2010/main" val="2833716976"/>
-      </p:ext>
-    </p:extLst>
   </p:cSld>
   <p:clrMapOvr>
     <a:masterClrMapping/>
@@ -14339,8 +14187,11 @@
       </a:bgFillStyleLst>
     </a:fmtScheme>
   </a:themeElements>
-  <a:objectDefaults/>
-  <a:extraClrSchemeLst/>
+  <a:extLst>
+    <a:ext uri="{05A4C25C-085E-4340-85A3-A5531E510DB2}">
+      <thm15:themeFamily xmlns:thm15="http://schemas.microsoft.com/office/thememl/2012/main" name="Office Theme" id="{62F939B6-93AF-4DB8-9C6B-D6C7DFDC589F}" vid="{4A3C46E8-61CC-4603-A589-7422A47A8E4A}"/>
+    </a:ext>
+  </a:extLst>
 </a:theme>
 </file>
 
@@ -14620,8 +14471,11 @@
       </a:bgFillStyleLst>
     </a:fmtScheme>
   </a:themeElements>
-  <a:objectDefaults/>
-  <a:extraClrSchemeLst/>
+  <a:extLst>
+    <a:ext uri="{05A4C25C-085E-4340-85A3-A5531E510DB2}">
+      <thm15:themeFamily xmlns:thm15="http://schemas.microsoft.com/office/thememl/2012/main" name="Office Theme" id="{62F939B6-93AF-4DB8-9C6B-D6C7DFDC589F}" vid="{4A3C46E8-61CC-4603-A589-7422A47A8E4A}"/>
+    </a:ext>
+  </a:extLst>
 </a:theme>
 </file>
 
@@ -14905,7 +14759,10 @@
       </a:bgFillStyleLst>
     </a:fmtScheme>
   </a:themeElements>
-  <a:objectDefaults/>
-  <a:extraClrSchemeLst/>
+  <a:extLst>
+    <a:ext uri="{05A4C25C-085E-4340-85A3-A5531E510DB2}">
+      <thm15:themeFamily xmlns:thm15="http://schemas.microsoft.com/office/thememl/2012/main" name="Office Theme" id="{62F939B6-93AF-4DB8-9C6B-D6C7DFDC589F}" vid="{4A3C46E8-61CC-4603-A589-7422A47A8E4A}"/>
+    </a:ext>
+  </a:extLst>
 </a:theme>
 </file>